--- a/presentations/band/Barocsi_Norbert/prezi_JAVA_EE_barocsi_norbert.pptx
+++ b/presentations/band/Barocsi_Norbert/prezi_JAVA_EE_barocsi_norbert.pptx
@@ -4,6 +4,9 @@
   <p:sldMasterIdLst>
     <p:sldMasterId id="2147483660" r:id="rId4"/>
   </p:sldMasterIdLst>
+  <p:notesMasterIdLst>
+    <p:notesMasterId r:id="rId13"/>
+  </p:notesMasterIdLst>
   <p:sldIdLst>
     <p:sldId id="257" r:id="rId5"/>
     <p:sldId id="256" r:id="rId6"/>
@@ -130,6 +133,1133 @@
 </p:presentation>
 </file>
 
+<file path=ppt/notesMasters/notesMaster1.xml><?xml version="1.0" encoding="utf-8"?>
+<p:notesMaster xmlns:a="http://schemas.openxmlformats.org/drawingml/2006/main" xmlns:r="http://schemas.openxmlformats.org/officeDocument/2006/relationships" xmlns:p="http://schemas.openxmlformats.org/presentationml/2006/main">
+  <p:cSld>
+    <p:bg>
+      <p:bgRef idx="1001">
+        <a:schemeClr val="bg1"/>
+      </p:bgRef>
+    </p:bg>
+    <p:spTree>
+      <p:nvGrpSpPr>
+        <p:cNvPr id="1" name=""/>
+        <p:cNvGrpSpPr/>
+        <p:nvPr/>
+      </p:nvGrpSpPr>
+      <p:grpSpPr>
+        <a:xfrm>
+          <a:off x="0" y="0"/>
+          <a:ext cx="0" cy="0"/>
+          <a:chOff x="0" y="0"/>
+          <a:chExt cx="0" cy="0"/>
+        </a:xfrm>
+      </p:grpSpPr>
+      <p:sp>
+        <p:nvSpPr>
+          <p:cNvPr id="2" name="Élőfej helye 1"/>
+          <p:cNvSpPr>
+            <a:spLocks noGrp="1"/>
+          </p:cNvSpPr>
+          <p:nvPr>
+            <p:ph type="hdr" sz="quarter"/>
+          </p:nvPr>
+        </p:nvSpPr>
+        <p:spPr>
+          <a:xfrm>
+            <a:off x="0" y="0"/>
+            <a:ext cx="2971800" cy="458788"/>
+          </a:xfrm>
+          <a:prstGeom prst="rect">
+            <a:avLst/>
+          </a:prstGeom>
+        </p:spPr>
+        <p:txBody>
+          <a:bodyPr vert="horz" lIns="91440" tIns="45720" rIns="91440" bIns="45720" rtlCol="0"/>
+          <a:lstStyle>
+            <a:lvl1pPr algn="l">
+              <a:defRPr sz="1200"/>
+            </a:lvl1pPr>
+          </a:lstStyle>
+          <a:p>
+            <a:endParaRPr lang="hu-HU"/>
+          </a:p>
+        </p:txBody>
+      </p:sp>
+      <p:sp>
+        <p:nvSpPr>
+          <p:cNvPr id="3" name="Dátum helye 2"/>
+          <p:cNvSpPr>
+            <a:spLocks noGrp="1"/>
+          </p:cNvSpPr>
+          <p:nvPr>
+            <p:ph type="dt" idx="1"/>
+          </p:nvPr>
+        </p:nvSpPr>
+        <p:spPr>
+          <a:xfrm>
+            <a:off x="3884613" y="0"/>
+            <a:ext cx="2971800" cy="458788"/>
+          </a:xfrm>
+          <a:prstGeom prst="rect">
+            <a:avLst/>
+          </a:prstGeom>
+        </p:spPr>
+        <p:txBody>
+          <a:bodyPr vert="horz" lIns="91440" tIns="45720" rIns="91440" bIns="45720" rtlCol="0"/>
+          <a:lstStyle>
+            <a:lvl1pPr algn="r">
+              <a:defRPr sz="1200"/>
+            </a:lvl1pPr>
+          </a:lstStyle>
+          <a:p>
+            <a:fld id="{C2192918-31FB-4242-8434-38FEC411578C}" type="datetimeFigureOut">
+              <a:rPr lang="hu-HU" smtClean="0"/>
+              <a:t>2016. 10. 04.</a:t>
+            </a:fld>
+            <a:endParaRPr lang="hu-HU"/>
+          </a:p>
+        </p:txBody>
+      </p:sp>
+      <p:sp>
+        <p:nvSpPr>
+          <p:cNvPr id="4" name="Diakép helye 3"/>
+          <p:cNvSpPr>
+            <a:spLocks noGrp="1" noRot="1" noChangeAspect="1"/>
+          </p:cNvSpPr>
+          <p:nvPr>
+            <p:ph type="sldImg" idx="2"/>
+          </p:nvPr>
+        </p:nvSpPr>
+        <p:spPr>
+          <a:xfrm>
+            <a:off x="685800" y="1143000"/>
+            <a:ext cx="5486400" cy="3086100"/>
+          </a:xfrm>
+          <a:prstGeom prst="rect">
+            <a:avLst/>
+          </a:prstGeom>
+          <a:noFill/>
+          <a:ln w="12700">
+            <a:solidFill>
+              <a:prstClr val="black"/>
+            </a:solidFill>
+          </a:ln>
+        </p:spPr>
+        <p:txBody>
+          <a:bodyPr vert="horz" lIns="91440" tIns="45720" rIns="91440" bIns="45720" rtlCol="0" anchor="ctr"/>
+          <a:lstStyle/>
+          <a:p>
+            <a:endParaRPr lang="hu-HU"/>
+          </a:p>
+        </p:txBody>
+      </p:sp>
+      <p:sp>
+        <p:nvSpPr>
+          <p:cNvPr id="5" name="Jegyzetek helye 4"/>
+          <p:cNvSpPr>
+            <a:spLocks noGrp="1"/>
+          </p:cNvSpPr>
+          <p:nvPr>
+            <p:ph type="body" sz="quarter" idx="3"/>
+          </p:nvPr>
+        </p:nvSpPr>
+        <p:spPr>
+          <a:xfrm>
+            <a:off x="685800" y="4400550"/>
+            <a:ext cx="5486400" cy="3600450"/>
+          </a:xfrm>
+          <a:prstGeom prst="rect">
+            <a:avLst/>
+          </a:prstGeom>
+        </p:spPr>
+        <p:txBody>
+          <a:bodyPr vert="horz" lIns="91440" tIns="45720" rIns="91440" bIns="45720" rtlCol="0"/>
+          <a:lstStyle/>
+          <a:p>
+            <a:pPr lvl="0"/>
+            <a:r>
+              <a:rPr lang="hu-HU" smtClean="0"/>
+              <a:t>Mintaszöveg szerkesztése</a:t>
+            </a:r>
+          </a:p>
+          <a:p>
+            <a:pPr lvl="1"/>
+            <a:r>
+              <a:rPr lang="hu-HU" smtClean="0"/>
+              <a:t>Második szint</a:t>
+            </a:r>
+          </a:p>
+          <a:p>
+            <a:pPr lvl="2"/>
+            <a:r>
+              <a:rPr lang="hu-HU" smtClean="0"/>
+              <a:t>Harmadik szint</a:t>
+            </a:r>
+          </a:p>
+          <a:p>
+            <a:pPr lvl="3"/>
+            <a:r>
+              <a:rPr lang="hu-HU" smtClean="0"/>
+              <a:t>Negyedik szint</a:t>
+            </a:r>
+          </a:p>
+          <a:p>
+            <a:pPr lvl="4"/>
+            <a:r>
+              <a:rPr lang="hu-HU" smtClean="0"/>
+              <a:t>Ötödik szint</a:t>
+            </a:r>
+            <a:endParaRPr lang="hu-HU"/>
+          </a:p>
+        </p:txBody>
+      </p:sp>
+      <p:sp>
+        <p:nvSpPr>
+          <p:cNvPr id="6" name="Élőláb helye 5"/>
+          <p:cNvSpPr>
+            <a:spLocks noGrp="1"/>
+          </p:cNvSpPr>
+          <p:nvPr>
+            <p:ph type="ftr" sz="quarter" idx="4"/>
+          </p:nvPr>
+        </p:nvSpPr>
+        <p:spPr>
+          <a:xfrm>
+            <a:off x="0" y="8685213"/>
+            <a:ext cx="2971800" cy="458787"/>
+          </a:xfrm>
+          <a:prstGeom prst="rect">
+            <a:avLst/>
+          </a:prstGeom>
+        </p:spPr>
+        <p:txBody>
+          <a:bodyPr vert="horz" lIns="91440" tIns="45720" rIns="91440" bIns="45720" rtlCol="0" anchor="b"/>
+          <a:lstStyle>
+            <a:lvl1pPr algn="l">
+              <a:defRPr sz="1200"/>
+            </a:lvl1pPr>
+          </a:lstStyle>
+          <a:p>
+            <a:endParaRPr lang="hu-HU"/>
+          </a:p>
+        </p:txBody>
+      </p:sp>
+      <p:sp>
+        <p:nvSpPr>
+          <p:cNvPr id="7" name="Dia számának helye 6"/>
+          <p:cNvSpPr>
+            <a:spLocks noGrp="1"/>
+          </p:cNvSpPr>
+          <p:nvPr>
+            <p:ph type="sldNum" sz="quarter" idx="5"/>
+          </p:nvPr>
+        </p:nvSpPr>
+        <p:spPr>
+          <a:xfrm>
+            <a:off x="3884613" y="8685213"/>
+            <a:ext cx="2971800" cy="458787"/>
+          </a:xfrm>
+          <a:prstGeom prst="rect">
+            <a:avLst/>
+          </a:prstGeom>
+        </p:spPr>
+        <p:txBody>
+          <a:bodyPr vert="horz" lIns="91440" tIns="45720" rIns="91440" bIns="45720" rtlCol="0" anchor="b"/>
+          <a:lstStyle>
+            <a:lvl1pPr algn="r">
+              <a:defRPr sz="1200"/>
+            </a:lvl1pPr>
+          </a:lstStyle>
+          <a:p>
+            <a:fld id="{79AF87FC-FC27-4A39-B641-F3CA6D772F66}" type="slidenum">
+              <a:rPr lang="hu-HU" smtClean="0"/>
+              <a:t>‹#›</a:t>
+            </a:fld>
+            <a:endParaRPr lang="hu-HU"/>
+          </a:p>
+        </p:txBody>
+      </p:sp>
+    </p:spTree>
+    <p:extLst>
+      <p:ext uri="{BB962C8B-B14F-4D97-AF65-F5344CB8AC3E}">
+        <p14:creationId xmlns:p14="http://schemas.microsoft.com/office/powerpoint/2010/main" val="2867856594"/>
+      </p:ext>
+    </p:extLst>
+  </p:cSld>
+  <p:clrMap bg1="lt1" tx1="dk1" bg2="lt2" tx2="dk2" accent1="accent1" accent2="accent2" accent3="accent3" accent4="accent4" accent5="accent5" accent6="accent6" hlink="hlink" folHlink="folHlink"/>
+  <p:notesStyle>
+    <a:lvl1pPr marL="0" algn="l" defTabSz="914400" rtl="0" eaLnBrk="1" latinLnBrk="0" hangingPunct="1">
+      <a:defRPr sz="1200" kern="1200">
+        <a:solidFill>
+          <a:schemeClr val="tx1"/>
+        </a:solidFill>
+        <a:latin typeface="+mn-lt"/>
+        <a:ea typeface="+mn-ea"/>
+        <a:cs typeface="+mn-cs"/>
+      </a:defRPr>
+    </a:lvl1pPr>
+    <a:lvl2pPr marL="457200" algn="l" defTabSz="914400" rtl="0" eaLnBrk="1" latinLnBrk="0" hangingPunct="1">
+      <a:defRPr sz="1200" kern="1200">
+        <a:solidFill>
+          <a:schemeClr val="tx1"/>
+        </a:solidFill>
+        <a:latin typeface="+mn-lt"/>
+        <a:ea typeface="+mn-ea"/>
+        <a:cs typeface="+mn-cs"/>
+      </a:defRPr>
+    </a:lvl2pPr>
+    <a:lvl3pPr marL="914400" algn="l" defTabSz="914400" rtl="0" eaLnBrk="1" latinLnBrk="0" hangingPunct="1">
+      <a:defRPr sz="1200" kern="1200">
+        <a:solidFill>
+          <a:schemeClr val="tx1"/>
+        </a:solidFill>
+        <a:latin typeface="+mn-lt"/>
+        <a:ea typeface="+mn-ea"/>
+        <a:cs typeface="+mn-cs"/>
+      </a:defRPr>
+    </a:lvl3pPr>
+    <a:lvl4pPr marL="1371600" algn="l" defTabSz="914400" rtl="0" eaLnBrk="1" latinLnBrk="0" hangingPunct="1">
+      <a:defRPr sz="1200" kern="1200">
+        <a:solidFill>
+          <a:schemeClr val="tx1"/>
+        </a:solidFill>
+        <a:latin typeface="+mn-lt"/>
+        <a:ea typeface="+mn-ea"/>
+        <a:cs typeface="+mn-cs"/>
+      </a:defRPr>
+    </a:lvl4pPr>
+    <a:lvl5pPr marL="1828800" algn="l" defTabSz="914400" rtl="0" eaLnBrk="1" latinLnBrk="0" hangingPunct="1">
+      <a:defRPr sz="1200" kern="1200">
+        <a:solidFill>
+          <a:schemeClr val="tx1"/>
+        </a:solidFill>
+        <a:latin typeface="+mn-lt"/>
+        <a:ea typeface="+mn-ea"/>
+        <a:cs typeface="+mn-cs"/>
+      </a:defRPr>
+    </a:lvl5pPr>
+    <a:lvl6pPr marL="2286000" algn="l" defTabSz="914400" rtl="0" eaLnBrk="1" latinLnBrk="0" hangingPunct="1">
+      <a:defRPr sz="1200" kern="1200">
+        <a:solidFill>
+          <a:schemeClr val="tx1"/>
+        </a:solidFill>
+        <a:latin typeface="+mn-lt"/>
+        <a:ea typeface="+mn-ea"/>
+        <a:cs typeface="+mn-cs"/>
+      </a:defRPr>
+    </a:lvl6pPr>
+    <a:lvl7pPr marL="2743200" algn="l" defTabSz="914400" rtl="0" eaLnBrk="1" latinLnBrk="0" hangingPunct="1">
+      <a:defRPr sz="1200" kern="1200">
+        <a:solidFill>
+          <a:schemeClr val="tx1"/>
+        </a:solidFill>
+        <a:latin typeface="+mn-lt"/>
+        <a:ea typeface="+mn-ea"/>
+        <a:cs typeface="+mn-cs"/>
+      </a:defRPr>
+    </a:lvl7pPr>
+    <a:lvl8pPr marL="3200400" algn="l" defTabSz="914400" rtl="0" eaLnBrk="1" latinLnBrk="0" hangingPunct="1">
+      <a:defRPr sz="1200" kern="1200">
+        <a:solidFill>
+          <a:schemeClr val="tx1"/>
+        </a:solidFill>
+        <a:latin typeface="+mn-lt"/>
+        <a:ea typeface="+mn-ea"/>
+        <a:cs typeface="+mn-cs"/>
+      </a:defRPr>
+    </a:lvl8pPr>
+    <a:lvl9pPr marL="3657600" algn="l" defTabSz="914400" rtl="0" eaLnBrk="1" latinLnBrk="0" hangingPunct="1">
+      <a:defRPr sz="1200" kern="1200">
+        <a:solidFill>
+          <a:schemeClr val="tx1"/>
+        </a:solidFill>
+        <a:latin typeface="+mn-lt"/>
+        <a:ea typeface="+mn-ea"/>
+        <a:cs typeface="+mn-cs"/>
+      </a:defRPr>
+    </a:lvl9pPr>
+  </p:notesStyle>
+</p:notesMaster>
+</file>
+
+<file path=ppt/notesSlides/notesSlide1.xml><?xml version="1.0" encoding="utf-8"?>
+<p:notes xmlns:a="http://schemas.openxmlformats.org/drawingml/2006/main" xmlns:r="http://schemas.openxmlformats.org/officeDocument/2006/relationships" xmlns:p="http://schemas.openxmlformats.org/presentationml/2006/main">
+  <p:cSld>
+    <p:spTree>
+      <p:nvGrpSpPr>
+        <p:cNvPr id="1" name=""/>
+        <p:cNvGrpSpPr/>
+        <p:nvPr/>
+      </p:nvGrpSpPr>
+      <p:grpSpPr>
+        <a:xfrm>
+          <a:off x="0" y="0"/>
+          <a:ext cx="0" cy="0"/>
+          <a:chOff x="0" y="0"/>
+          <a:chExt cx="0" cy="0"/>
+        </a:xfrm>
+      </p:grpSpPr>
+      <p:sp>
+        <p:nvSpPr>
+          <p:cNvPr id="2" name="Diakép helye 1"/>
+          <p:cNvSpPr>
+            <a:spLocks noGrp="1" noRot="1" noChangeAspect="1"/>
+          </p:cNvSpPr>
+          <p:nvPr>
+            <p:ph type="sldImg"/>
+          </p:nvPr>
+        </p:nvSpPr>
+        <p:spPr/>
+      </p:sp>
+      <p:sp>
+        <p:nvSpPr>
+          <p:cNvPr id="3" name="Jegyzetek helye 2"/>
+          <p:cNvSpPr>
+            <a:spLocks noGrp="1"/>
+          </p:cNvSpPr>
+          <p:nvPr>
+            <p:ph type="body" idx="1"/>
+          </p:nvPr>
+        </p:nvSpPr>
+        <p:spPr/>
+        <p:txBody>
+          <a:bodyPr/>
+          <a:lstStyle/>
+          <a:p>
+            <a:pPr marL="171450" indent="-171450">
+              <a:buFontTx/>
+              <a:buChar char="-"/>
+            </a:pPr>
+            <a:r>
+              <a:rPr lang="hu-HU" dirty="0" smtClean="0"/>
+              <a:t>Főbb feladataim közé tartozott a zenekarok és tagjainak regisztrálása adatbázis és webes oldalon egyaránt.</a:t>
+            </a:r>
+          </a:p>
+          <a:p>
+            <a:pPr marL="171450" indent="-171450">
+              <a:buFontTx/>
+              <a:buChar char="-"/>
+            </a:pPr>
+            <a:r>
+              <a:rPr lang="hu-HU" dirty="0" smtClean="0"/>
+              <a:t>Sikeres regisztráció után a zenekarhoz tartozóan létrejött egy publikus profil.</a:t>
+            </a:r>
+          </a:p>
+          <a:p>
+            <a:pPr marL="171450" indent="-171450">
+              <a:buFontTx/>
+              <a:buChar char="-"/>
+            </a:pPr>
+            <a:r>
+              <a:rPr lang="hu-HU" dirty="0" smtClean="0"/>
+              <a:t>Ugyanitt lehetőség van a zenekarhoz tartozó adatokat módosítani, szerkeszteni</a:t>
+            </a:r>
+            <a:r>
+              <a:rPr lang="hu-HU" baseline="0" dirty="0" smtClean="0"/>
+              <a:t> és </a:t>
+            </a:r>
+            <a:r>
+              <a:rPr lang="hu-HU" dirty="0" smtClean="0"/>
+              <a:t>törölni.</a:t>
+            </a:r>
+          </a:p>
+          <a:p>
+            <a:pPr marL="171450" indent="-171450">
+              <a:buFontTx/>
+              <a:buChar char="-"/>
+            </a:pPr>
+            <a:r>
+              <a:rPr lang="hu-HU" dirty="0" smtClean="0"/>
+              <a:t>Az adminisztrátori oldal kialakítását es működését is én hoztam létre, ahol lehetőség van letiltani a publikus</a:t>
+            </a:r>
+            <a:r>
+              <a:rPr lang="hu-HU" baseline="0" dirty="0" smtClean="0"/>
+              <a:t> profilokat.</a:t>
+            </a:r>
+            <a:endParaRPr lang="hu-HU" dirty="0" smtClean="0"/>
+          </a:p>
+        </p:txBody>
+      </p:sp>
+      <p:sp>
+        <p:nvSpPr>
+          <p:cNvPr id="4" name="Dia számának helye 3"/>
+          <p:cNvSpPr>
+            <a:spLocks noGrp="1"/>
+          </p:cNvSpPr>
+          <p:nvPr>
+            <p:ph type="sldNum" sz="quarter" idx="10"/>
+          </p:nvPr>
+        </p:nvSpPr>
+        <p:spPr/>
+        <p:txBody>
+          <a:bodyPr/>
+          <a:lstStyle/>
+          <a:p>
+            <a:fld id="{79AF87FC-FC27-4A39-B641-F3CA6D772F66}" type="slidenum">
+              <a:rPr lang="hu-HU" smtClean="0"/>
+              <a:t>3</a:t>
+            </a:fld>
+            <a:endParaRPr lang="hu-HU"/>
+          </a:p>
+        </p:txBody>
+      </p:sp>
+    </p:spTree>
+    <p:extLst>
+      <p:ext uri="{BB962C8B-B14F-4D97-AF65-F5344CB8AC3E}">
+        <p14:creationId xmlns:p14="http://schemas.microsoft.com/office/powerpoint/2010/main" val="93331048"/>
+      </p:ext>
+    </p:extLst>
+  </p:cSld>
+  <p:clrMapOvr>
+    <a:masterClrMapping/>
+  </p:clrMapOvr>
+</p:notes>
+</file>
+
+<file path=ppt/notesSlides/notesSlide2.xml><?xml version="1.0" encoding="utf-8"?>
+<p:notes xmlns:a="http://schemas.openxmlformats.org/drawingml/2006/main" xmlns:r="http://schemas.openxmlformats.org/officeDocument/2006/relationships" xmlns:p="http://schemas.openxmlformats.org/presentationml/2006/main">
+  <p:cSld>
+    <p:spTree>
+      <p:nvGrpSpPr>
+        <p:cNvPr id="1" name=""/>
+        <p:cNvGrpSpPr/>
+        <p:nvPr/>
+      </p:nvGrpSpPr>
+      <p:grpSpPr>
+        <a:xfrm>
+          <a:off x="0" y="0"/>
+          <a:ext cx="0" cy="0"/>
+          <a:chOff x="0" y="0"/>
+          <a:chExt cx="0" cy="0"/>
+        </a:xfrm>
+      </p:grpSpPr>
+      <p:sp>
+        <p:nvSpPr>
+          <p:cNvPr id="2" name="Diakép helye 1"/>
+          <p:cNvSpPr>
+            <a:spLocks noGrp="1" noRot="1" noChangeAspect="1"/>
+          </p:cNvSpPr>
+          <p:nvPr>
+            <p:ph type="sldImg"/>
+          </p:nvPr>
+        </p:nvSpPr>
+        <p:spPr/>
+      </p:sp>
+      <p:sp>
+        <p:nvSpPr>
+          <p:cNvPr id="3" name="Jegyzetek helye 2"/>
+          <p:cNvSpPr>
+            <a:spLocks noGrp="1"/>
+          </p:cNvSpPr>
+          <p:nvPr>
+            <p:ph type="body" idx="1"/>
+          </p:nvPr>
+        </p:nvSpPr>
+        <p:spPr/>
+        <p:txBody>
+          <a:bodyPr/>
+          <a:lstStyle/>
+          <a:p>
+            <a:pPr marL="171450" indent="-171450">
+              <a:buFontTx/>
+              <a:buChar char="-"/>
+            </a:pPr>
+            <a:r>
+              <a:rPr lang="hu-HU" dirty="0" smtClean="0"/>
+              <a:t>A</a:t>
+            </a:r>
+            <a:r>
+              <a:rPr lang="hu-HU" baseline="0" dirty="0" smtClean="0"/>
+              <a:t> három külön álló projekt </a:t>
+            </a:r>
+            <a:r>
+              <a:rPr lang="hu-HU" baseline="0" dirty="0" err="1" smtClean="0"/>
+              <a:t>Remote</a:t>
+            </a:r>
+            <a:r>
+              <a:rPr lang="hu-HU" baseline="0" dirty="0" smtClean="0"/>
+              <a:t> </a:t>
+            </a:r>
+            <a:r>
+              <a:rPr lang="hu-HU" baseline="0" dirty="0" err="1" smtClean="0"/>
+              <a:t>Interface-n</a:t>
+            </a:r>
+            <a:r>
+              <a:rPr lang="hu-HU" baseline="0" dirty="0" smtClean="0"/>
+              <a:t> keresztül kommunikál. Ezt a feladatot én kaptam meg.</a:t>
+            </a:r>
+          </a:p>
+          <a:p>
+            <a:pPr marL="171450" marR="0" lvl="0" indent="-171450" algn="l" defTabSz="914400" rtl="0" eaLnBrk="1" fontAlgn="auto" latinLnBrk="0" hangingPunct="1">
+              <a:lnSpc>
+                <a:spcPct val="100000"/>
+              </a:lnSpc>
+              <a:spcBef>
+                <a:spcPts val="0"/>
+              </a:spcBef>
+              <a:spcAft>
+                <a:spcPts val="0"/>
+              </a:spcAft>
+              <a:buClrTx/>
+              <a:buSzTx/>
+              <a:buFontTx/>
+              <a:buChar char="-"/>
+              <a:tabLst/>
+              <a:defRPr/>
+            </a:pPr>
+            <a:r>
+              <a:rPr lang="hu-HU" b="0" dirty="0" smtClean="0">
+                <a:effectLst/>
+              </a:rPr>
+              <a:t>I18n más szóval honosítás</a:t>
+            </a:r>
+            <a:r>
+              <a:rPr lang="hu-HU" b="0" baseline="0" dirty="0" smtClean="0">
+                <a:effectLst/>
+              </a:rPr>
+              <a:t> vagy több nyelvűség. Ezen a feladaton mindenki egységesen dolgozott.</a:t>
+            </a:r>
+            <a:endParaRPr lang="hu-HU" b="0" baseline="0" dirty="0" smtClean="0">
+              <a:effectLst/>
+            </a:endParaRPr>
+          </a:p>
+          <a:p>
+            <a:pPr marL="171450" marR="0" lvl="0" indent="-171450" algn="l" defTabSz="914400" rtl="0" eaLnBrk="1" fontAlgn="auto" latinLnBrk="0" hangingPunct="1">
+              <a:lnSpc>
+                <a:spcPct val="100000"/>
+              </a:lnSpc>
+              <a:spcBef>
+                <a:spcPts val="0"/>
+              </a:spcBef>
+              <a:spcAft>
+                <a:spcPts val="0"/>
+              </a:spcAft>
+              <a:buClrTx/>
+              <a:buSzTx/>
+              <a:buFontTx/>
+              <a:buChar char="-"/>
+              <a:tabLst/>
+              <a:defRPr/>
+            </a:pPr>
+            <a:r>
+              <a:rPr lang="hu-HU" b="0" baseline="0" dirty="0" smtClean="0">
+                <a:effectLst/>
+              </a:rPr>
+              <a:t>Jobb design a csapatban mindenkinek a feladata volt, miután működésre bírtuk a különböző funkciókat megpróbáltunk egy felhasználó </a:t>
+            </a:r>
+            <a:r>
+              <a:rPr lang="hu-HU" b="0" baseline="0" dirty="0" err="1" smtClean="0">
+                <a:effectLst/>
+              </a:rPr>
+              <a:t>barátabb</a:t>
+            </a:r>
+            <a:r>
+              <a:rPr lang="hu-HU" b="0" baseline="0" dirty="0" smtClean="0">
+                <a:effectLst/>
+              </a:rPr>
+              <a:t> külsőt csinálni az oldalaknak.</a:t>
+            </a:r>
+          </a:p>
+          <a:p>
+            <a:pPr marL="171450" marR="0" lvl="0" indent="-171450" algn="l" defTabSz="914400" rtl="0" eaLnBrk="1" fontAlgn="auto" latinLnBrk="0" hangingPunct="1">
+              <a:lnSpc>
+                <a:spcPct val="100000"/>
+              </a:lnSpc>
+              <a:spcBef>
+                <a:spcPts val="0"/>
+              </a:spcBef>
+              <a:spcAft>
+                <a:spcPts val="0"/>
+              </a:spcAft>
+              <a:buClrTx/>
+              <a:buSzTx/>
+              <a:buFontTx/>
+              <a:buChar char="-"/>
+              <a:tabLst/>
+              <a:defRPr/>
+            </a:pPr>
+            <a:r>
+              <a:rPr lang="hu-HU" b="0" baseline="0" dirty="0" smtClean="0">
+                <a:effectLst/>
+              </a:rPr>
+              <a:t>Projekt átgyúrása az én feladatom volt, párszor ütköztünk olyan problémába, amit csak a projekt struktúra átgyúrásával tudtam megoldani.</a:t>
+            </a:r>
+          </a:p>
+          <a:p>
+            <a:pPr marL="171450" marR="0" lvl="0" indent="-171450" algn="l" defTabSz="914400" rtl="0" eaLnBrk="1" fontAlgn="auto" latinLnBrk="0" hangingPunct="1">
+              <a:lnSpc>
+                <a:spcPct val="100000"/>
+              </a:lnSpc>
+              <a:spcBef>
+                <a:spcPts val="0"/>
+              </a:spcBef>
+              <a:spcAft>
+                <a:spcPts val="0"/>
+              </a:spcAft>
+              <a:buClrTx/>
+              <a:buSzTx/>
+              <a:buFontTx/>
+              <a:buChar char="-"/>
+              <a:tabLst/>
+              <a:defRPr/>
+            </a:pPr>
+            <a:r>
+              <a:rPr lang="hu-HU" b="0" baseline="0" dirty="0" smtClean="0">
+                <a:effectLst/>
+              </a:rPr>
+              <a:t>Fejlesztés kezdetétől fogva próbáltam a saját kódomat úgy módosítani, hogy az olvashatóbb és optimalizáltabb legyen.</a:t>
+            </a:r>
+            <a:endParaRPr lang="hu-HU" b="0" dirty="0" smtClean="0">
+              <a:effectLst/>
+            </a:endParaRPr>
+          </a:p>
+          <a:p>
+            <a:pPr marL="171450" indent="-171450">
+              <a:buFontTx/>
+              <a:buChar char="-"/>
+            </a:pPr>
+            <a:endParaRPr lang="hu-HU" b="0" dirty="0" smtClean="0">
+              <a:effectLst/>
+            </a:endParaRPr>
+          </a:p>
+          <a:p>
+            <a:pPr marL="171450" indent="-171450">
+              <a:buFontTx/>
+              <a:buChar char="-"/>
+            </a:pPr>
+            <a:endParaRPr lang="hu-HU" baseline="0" dirty="0" smtClean="0"/>
+          </a:p>
+        </p:txBody>
+      </p:sp>
+      <p:sp>
+        <p:nvSpPr>
+          <p:cNvPr id="4" name="Dia számának helye 3"/>
+          <p:cNvSpPr>
+            <a:spLocks noGrp="1"/>
+          </p:cNvSpPr>
+          <p:nvPr>
+            <p:ph type="sldNum" sz="quarter" idx="10"/>
+          </p:nvPr>
+        </p:nvSpPr>
+        <p:spPr/>
+        <p:txBody>
+          <a:bodyPr/>
+          <a:lstStyle/>
+          <a:p>
+            <a:fld id="{79AF87FC-FC27-4A39-B641-F3CA6D772F66}" type="slidenum">
+              <a:rPr lang="hu-HU" smtClean="0"/>
+              <a:t>4</a:t>
+            </a:fld>
+            <a:endParaRPr lang="hu-HU"/>
+          </a:p>
+        </p:txBody>
+      </p:sp>
+    </p:spTree>
+    <p:extLst>
+      <p:ext uri="{BB962C8B-B14F-4D97-AF65-F5344CB8AC3E}">
+        <p14:creationId xmlns:p14="http://schemas.microsoft.com/office/powerpoint/2010/main" val="4235356512"/>
+      </p:ext>
+    </p:extLst>
+  </p:cSld>
+  <p:clrMapOvr>
+    <a:masterClrMapping/>
+  </p:clrMapOvr>
+</p:notes>
+</file>
+
+<file path=ppt/notesSlides/notesSlide3.xml><?xml version="1.0" encoding="utf-8"?>
+<p:notes xmlns:a="http://schemas.openxmlformats.org/drawingml/2006/main" xmlns:r="http://schemas.openxmlformats.org/officeDocument/2006/relationships" xmlns:p="http://schemas.openxmlformats.org/presentationml/2006/main">
+  <p:cSld>
+    <p:spTree>
+      <p:nvGrpSpPr>
+        <p:cNvPr id="1" name=""/>
+        <p:cNvGrpSpPr/>
+        <p:nvPr/>
+      </p:nvGrpSpPr>
+      <p:grpSpPr>
+        <a:xfrm>
+          <a:off x="0" y="0"/>
+          <a:ext cx="0" cy="0"/>
+          <a:chOff x="0" y="0"/>
+          <a:chExt cx="0" cy="0"/>
+        </a:xfrm>
+      </p:grpSpPr>
+      <p:sp>
+        <p:nvSpPr>
+          <p:cNvPr id="2" name="Diakép helye 1"/>
+          <p:cNvSpPr>
+            <a:spLocks noGrp="1" noRot="1" noChangeAspect="1"/>
+          </p:cNvSpPr>
+          <p:nvPr>
+            <p:ph type="sldImg"/>
+          </p:nvPr>
+        </p:nvSpPr>
+        <p:spPr/>
+      </p:sp>
+      <p:sp>
+        <p:nvSpPr>
+          <p:cNvPr id="3" name="Jegyzetek helye 2"/>
+          <p:cNvSpPr>
+            <a:spLocks noGrp="1"/>
+          </p:cNvSpPr>
+          <p:nvPr>
+            <p:ph type="body" idx="1"/>
+          </p:nvPr>
+        </p:nvSpPr>
+        <p:spPr/>
+        <p:txBody>
+          <a:bodyPr/>
+          <a:lstStyle/>
+          <a:p>
+            <a:pPr marL="171450" indent="-171450">
+              <a:buFontTx/>
+              <a:buChar char="-"/>
+            </a:pPr>
+            <a:r>
+              <a:rPr lang="hu-HU" dirty="0" smtClean="0"/>
+              <a:t>Számomra újdonságnak számított a </a:t>
+            </a:r>
+            <a:r>
+              <a:rPr lang="hu-HU" dirty="0" smtClean="0"/>
+              <a:t>csapatmunka</a:t>
+            </a:r>
+            <a:r>
+              <a:rPr lang="hu-HU" baseline="0" dirty="0" smtClean="0"/>
+              <a:t> és </a:t>
+            </a:r>
+            <a:r>
+              <a:rPr lang="hu-HU" baseline="0" dirty="0" smtClean="0"/>
+              <a:t>a csapatvezetőnk által kiadott feladatok szervezettsége. Ezt a két dolgot egyesítve sikerült folytonos munkára bírni csapatunkat.</a:t>
+            </a:r>
+          </a:p>
+          <a:p>
+            <a:pPr marL="171450" indent="-171450">
+              <a:buFontTx/>
+              <a:buChar char="-"/>
+            </a:pPr>
+            <a:r>
+              <a:rPr lang="hu-HU" dirty="0" smtClean="0"/>
+              <a:t>Új technológiákat</a:t>
+            </a:r>
+            <a:r>
+              <a:rPr lang="hu-HU" baseline="0" dirty="0" smtClean="0"/>
+              <a:t> a fejlesztés során akarva akaratlanul is elsajátítottuk, ami számomra nagyon izgalmas és tanulságos volt.</a:t>
+            </a:r>
+            <a:endParaRPr lang="hu-HU" dirty="0"/>
+          </a:p>
+        </p:txBody>
+      </p:sp>
+      <p:sp>
+        <p:nvSpPr>
+          <p:cNvPr id="4" name="Dia számának helye 3"/>
+          <p:cNvSpPr>
+            <a:spLocks noGrp="1"/>
+          </p:cNvSpPr>
+          <p:nvPr>
+            <p:ph type="sldNum" sz="quarter" idx="10"/>
+          </p:nvPr>
+        </p:nvSpPr>
+        <p:spPr/>
+        <p:txBody>
+          <a:bodyPr/>
+          <a:lstStyle/>
+          <a:p>
+            <a:fld id="{79AF87FC-FC27-4A39-B641-F3CA6D772F66}" type="slidenum">
+              <a:rPr lang="hu-HU" smtClean="0"/>
+              <a:t>5</a:t>
+            </a:fld>
+            <a:endParaRPr lang="hu-HU"/>
+          </a:p>
+        </p:txBody>
+      </p:sp>
+    </p:spTree>
+    <p:extLst>
+      <p:ext uri="{BB962C8B-B14F-4D97-AF65-F5344CB8AC3E}">
+        <p14:creationId xmlns:p14="http://schemas.microsoft.com/office/powerpoint/2010/main" val="1621215192"/>
+      </p:ext>
+    </p:extLst>
+  </p:cSld>
+  <p:clrMapOvr>
+    <a:masterClrMapping/>
+  </p:clrMapOvr>
+</p:notes>
+</file>
+
+<file path=ppt/notesSlides/notesSlide4.xml><?xml version="1.0" encoding="utf-8"?>
+<p:notes xmlns:a="http://schemas.openxmlformats.org/drawingml/2006/main" xmlns:r="http://schemas.openxmlformats.org/officeDocument/2006/relationships" xmlns:p="http://schemas.openxmlformats.org/presentationml/2006/main">
+  <p:cSld>
+    <p:spTree>
+      <p:nvGrpSpPr>
+        <p:cNvPr id="1" name=""/>
+        <p:cNvGrpSpPr/>
+        <p:nvPr/>
+      </p:nvGrpSpPr>
+      <p:grpSpPr>
+        <a:xfrm>
+          <a:off x="0" y="0"/>
+          <a:ext cx="0" cy="0"/>
+          <a:chOff x="0" y="0"/>
+          <a:chExt cx="0" cy="0"/>
+        </a:xfrm>
+      </p:grpSpPr>
+      <p:sp>
+        <p:nvSpPr>
+          <p:cNvPr id="2" name="Diakép helye 1"/>
+          <p:cNvSpPr>
+            <a:spLocks noGrp="1" noRot="1" noChangeAspect="1"/>
+          </p:cNvSpPr>
+          <p:nvPr>
+            <p:ph type="sldImg"/>
+          </p:nvPr>
+        </p:nvSpPr>
+        <p:spPr/>
+      </p:sp>
+      <p:sp>
+        <p:nvSpPr>
+          <p:cNvPr id="3" name="Jegyzetek helye 2"/>
+          <p:cNvSpPr>
+            <a:spLocks noGrp="1"/>
+          </p:cNvSpPr>
+          <p:nvPr>
+            <p:ph type="body" idx="1"/>
+          </p:nvPr>
+        </p:nvSpPr>
+        <p:spPr/>
+        <p:txBody>
+          <a:bodyPr/>
+          <a:lstStyle/>
+          <a:p>
+            <a:pPr marL="171450" indent="-171450">
+              <a:buFontTx/>
+              <a:buChar char="-"/>
+            </a:pPr>
+            <a:r>
+              <a:rPr lang="hu-HU" baseline="0" dirty="0" smtClean="0"/>
+              <a:t>Első nagyobb hiba a fejlesztés elején jött elő, a Web-es réteg nem tudott kommunikálni az Adatbázissal. Pár óra próbálgatás és log olvasás után rájöttem, hogy a Szolgáltatás rétegben van a hiba, ami konkrétan hidat képez az Adatbázis és a Web-es réteg között. Megoldás pedig az volt, hogy a Szolgáltatás réteget és a </a:t>
+            </a:r>
+            <a:r>
+              <a:rPr lang="hu-HU" baseline="0" dirty="0" smtClean="0"/>
+              <a:t>Szolgáltatás megvalósítását két </a:t>
+            </a:r>
+            <a:r>
+              <a:rPr lang="hu-HU" baseline="0" dirty="0" smtClean="0"/>
+              <a:t>külön álló modulba pakoltam. Így életet leheltem a kommunikációba.</a:t>
+            </a:r>
+          </a:p>
+          <a:p>
+            <a:pPr marL="171450" indent="-171450">
+              <a:buFontTx/>
+              <a:buChar char="-"/>
+            </a:pPr>
+            <a:endParaRPr lang="hu-HU" baseline="0" dirty="0" smtClean="0"/>
+          </a:p>
+          <a:p>
+            <a:pPr marL="171450" marR="0" indent="-171450" algn="l" defTabSz="914400" rtl="0" eaLnBrk="1" fontAlgn="auto" latinLnBrk="0" hangingPunct="1">
+              <a:lnSpc>
+                <a:spcPct val="100000"/>
+              </a:lnSpc>
+              <a:spcBef>
+                <a:spcPts val="0"/>
+              </a:spcBef>
+              <a:spcAft>
+                <a:spcPts val="0"/>
+              </a:spcAft>
+              <a:buClrTx/>
+              <a:buSzTx/>
+              <a:buFontTx/>
+              <a:buChar char="-"/>
+              <a:tabLst/>
+              <a:defRPr/>
+            </a:pPr>
+            <a:r>
+              <a:rPr lang="hu-HU" baseline="0" dirty="0" smtClean="0"/>
+              <a:t>Második nagyobb hiba a fejlesztés közepe fele jött elő, Adatbázisban lévő egy zenekarhoz tartozó adatok megjelenítése a publikus profilon nem úgy működött, ahogy szerettük volna. Jó pár sikertelen próbálkozás után </a:t>
+            </a:r>
+            <a:r>
+              <a:rPr lang="hu-HU" baseline="0" dirty="0" smtClean="0"/>
+              <a:t>csapatvezetőnkhöz fordultam segítségért. Kaptam tőle egy ötletet, ami a megoldás is volt egyben. Ezt </a:t>
+            </a:r>
+            <a:r>
+              <a:rPr lang="hu-HU" baseline="0" dirty="0" smtClean="0"/>
+              <a:t>az ötletet úgy tudtam megvalósítani, hogy a Web-es réteget és a Szolgáltatás réteget átalakítottam. Ezután sikeresen működött minden funkció a publikus profilon.</a:t>
+            </a:r>
+          </a:p>
+          <a:p>
+            <a:pPr marL="0" indent="0">
+              <a:buFontTx/>
+              <a:buNone/>
+            </a:pPr>
+            <a:r>
+              <a:rPr lang="hu-HU" baseline="0" dirty="0" smtClean="0"/>
+              <a:t/>
+            </a:r>
+            <a:br>
+              <a:rPr lang="hu-HU" baseline="0" dirty="0" smtClean="0"/>
+            </a:br>
+            <a:endParaRPr lang="hu-HU" baseline="0" dirty="0" smtClean="0"/>
+          </a:p>
+        </p:txBody>
+      </p:sp>
+      <p:sp>
+        <p:nvSpPr>
+          <p:cNvPr id="4" name="Dia számának helye 3"/>
+          <p:cNvSpPr>
+            <a:spLocks noGrp="1"/>
+          </p:cNvSpPr>
+          <p:nvPr>
+            <p:ph type="sldNum" sz="quarter" idx="10"/>
+          </p:nvPr>
+        </p:nvSpPr>
+        <p:spPr/>
+        <p:txBody>
+          <a:bodyPr/>
+          <a:lstStyle/>
+          <a:p>
+            <a:fld id="{79AF87FC-FC27-4A39-B641-F3CA6D772F66}" type="slidenum">
+              <a:rPr lang="hu-HU" smtClean="0"/>
+              <a:t>6</a:t>
+            </a:fld>
+            <a:endParaRPr lang="hu-HU"/>
+          </a:p>
+        </p:txBody>
+      </p:sp>
+    </p:spTree>
+    <p:extLst>
+      <p:ext uri="{BB962C8B-B14F-4D97-AF65-F5344CB8AC3E}">
+        <p14:creationId xmlns:p14="http://schemas.microsoft.com/office/powerpoint/2010/main" val="1323003016"/>
+      </p:ext>
+    </p:extLst>
+  </p:cSld>
+  <p:clrMapOvr>
+    <a:masterClrMapping/>
+  </p:clrMapOvr>
+</p:notes>
+</file>
+
+<file path=ppt/notesSlides/notesSlide5.xml><?xml version="1.0" encoding="utf-8"?>
+<p:notes xmlns:a="http://schemas.openxmlformats.org/drawingml/2006/main" xmlns:r="http://schemas.openxmlformats.org/officeDocument/2006/relationships" xmlns:p="http://schemas.openxmlformats.org/presentationml/2006/main">
+  <p:cSld>
+    <p:spTree>
+      <p:nvGrpSpPr>
+        <p:cNvPr id="1" name=""/>
+        <p:cNvGrpSpPr/>
+        <p:nvPr/>
+      </p:nvGrpSpPr>
+      <p:grpSpPr>
+        <a:xfrm>
+          <a:off x="0" y="0"/>
+          <a:ext cx="0" cy="0"/>
+          <a:chOff x="0" y="0"/>
+          <a:chExt cx="0" cy="0"/>
+        </a:xfrm>
+      </p:grpSpPr>
+      <p:sp>
+        <p:nvSpPr>
+          <p:cNvPr id="2" name="Diakép helye 1"/>
+          <p:cNvSpPr>
+            <a:spLocks noGrp="1" noRot="1" noChangeAspect="1"/>
+          </p:cNvSpPr>
+          <p:nvPr>
+            <p:ph type="sldImg"/>
+          </p:nvPr>
+        </p:nvSpPr>
+        <p:spPr/>
+      </p:sp>
+      <p:sp>
+        <p:nvSpPr>
+          <p:cNvPr id="3" name="Jegyzetek helye 2"/>
+          <p:cNvSpPr>
+            <a:spLocks noGrp="1"/>
+          </p:cNvSpPr>
+          <p:nvPr>
+            <p:ph type="body" idx="1"/>
+          </p:nvPr>
+        </p:nvSpPr>
+        <p:spPr/>
+        <p:txBody>
+          <a:bodyPr/>
+          <a:lstStyle/>
+          <a:p>
+            <a:pPr marL="171450" indent="-171450">
+              <a:buFontTx/>
+              <a:buChar char="-"/>
+            </a:pPr>
+            <a:r>
+              <a:rPr lang="hu-HU" dirty="0" smtClean="0"/>
+              <a:t>Közös munka során </a:t>
+            </a:r>
+            <a:r>
+              <a:rPr lang="hu-HU" baseline="0" dirty="0" smtClean="0"/>
+              <a:t>szembesültem </a:t>
+            </a:r>
+            <a:r>
+              <a:rPr lang="hu-HU" baseline="0" dirty="0" smtClean="0"/>
+              <a:t>azzal a ténnyel, hogy csapatban sokkal gyorsabb a fejlesztés és a gondolkodás, mint egyedül. A csapatban való munkát nagyon élveztem.</a:t>
+            </a:r>
+          </a:p>
+          <a:p>
+            <a:pPr marL="171450" indent="-171450">
+              <a:buFontTx/>
+              <a:buChar char="-"/>
+            </a:pPr>
+            <a:r>
+              <a:rPr lang="hu-HU" baseline="0" dirty="0" smtClean="0"/>
+              <a:t>Nagyon sok új tudást szereztem ezalatt az időszak alatt, és úgy érzem szakmailag nagyon sokat fejlődtem.</a:t>
+            </a:r>
+          </a:p>
+          <a:p>
+            <a:pPr marL="171450" indent="-171450">
+              <a:buFontTx/>
+              <a:buChar char="-"/>
+            </a:pPr>
+            <a:r>
+              <a:rPr lang="hu-HU" baseline="0" dirty="0" smtClean="0"/>
+              <a:t>Csapatvezetőnktől nagyon </a:t>
+            </a:r>
+            <a:r>
+              <a:rPr lang="hu-HU" baseline="0" dirty="0" smtClean="0"/>
+              <a:t>sok fejlesztési módszert tanultunk, tőle megtudhattuk, hogyan gondolkozik és dolgozik egy fejlesztő egy csapatban.</a:t>
+            </a:r>
+          </a:p>
+        </p:txBody>
+      </p:sp>
+      <p:sp>
+        <p:nvSpPr>
+          <p:cNvPr id="4" name="Dia számának helye 3"/>
+          <p:cNvSpPr>
+            <a:spLocks noGrp="1"/>
+          </p:cNvSpPr>
+          <p:nvPr>
+            <p:ph type="sldNum" sz="quarter" idx="10"/>
+          </p:nvPr>
+        </p:nvSpPr>
+        <p:spPr/>
+        <p:txBody>
+          <a:bodyPr/>
+          <a:lstStyle/>
+          <a:p>
+            <a:fld id="{79AF87FC-FC27-4A39-B641-F3CA6D772F66}" type="slidenum">
+              <a:rPr lang="hu-HU" smtClean="0"/>
+              <a:t>7</a:t>
+            </a:fld>
+            <a:endParaRPr lang="hu-HU"/>
+          </a:p>
+        </p:txBody>
+      </p:sp>
+    </p:spTree>
+    <p:extLst>
+      <p:ext uri="{BB962C8B-B14F-4D97-AF65-F5344CB8AC3E}">
+        <p14:creationId xmlns:p14="http://schemas.microsoft.com/office/powerpoint/2010/main" val="2351912786"/>
+      </p:ext>
+    </p:extLst>
+  </p:cSld>
+  <p:clrMapOvr>
+    <a:masterClrMapping/>
+  </p:clrMapOvr>
+</p:notes>
+</file>
+
 <file path=ppt/slideLayouts/slideLayout1.xml><?xml version="1.0" encoding="utf-8"?>
 <p:sldLayout xmlns:a="http://schemas.openxmlformats.org/drawingml/2006/main" xmlns:r="http://schemas.openxmlformats.org/officeDocument/2006/relationships" xmlns:p="http://schemas.openxmlformats.org/presentationml/2006/main" type="title" preserve="1">
   <p:cSld name="Címdia">
@@ -261,7 +1391,7 @@
           <a:p>
             <a:fld id="{C6E8B002-83F0-41C5-A7B7-2819A96BD9B2}" type="datetimeFigureOut">
               <a:rPr lang="hu-HU" smtClean="0"/>
-              <a:t>2016. 10. 01.</a:t>
+              <a:t>2016. 10. 04.</a:t>
             </a:fld>
             <a:endParaRPr lang="hu-HU"/>
           </a:p>
@@ -431,7 +1561,7 @@
           <a:p>
             <a:fld id="{C6E8B002-83F0-41C5-A7B7-2819A96BD9B2}" type="datetimeFigureOut">
               <a:rPr lang="hu-HU" smtClean="0"/>
-              <a:t>2016. 10. 01.</a:t>
+              <a:t>2016. 10. 04.</a:t>
             </a:fld>
             <a:endParaRPr lang="hu-HU"/>
           </a:p>
@@ -611,7 +1741,7 @@
           <a:p>
             <a:fld id="{C6E8B002-83F0-41C5-A7B7-2819A96BD9B2}" type="datetimeFigureOut">
               <a:rPr lang="hu-HU" smtClean="0"/>
-              <a:t>2016. 10. 01.</a:t>
+              <a:t>2016. 10. 04.</a:t>
             </a:fld>
             <a:endParaRPr lang="hu-HU"/>
           </a:p>
@@ -781,7 +1911,7 @@
           <a:p>
             <a:fld id="{C6E8B002-83F0-41C5-A7B7-2819A96BD9B2}" type="datetimeFigureOut">
               <a:rPr lang="hu-HU" smtClean="0"/>
-              <a:t>2016. 10. 01.</a:t>
+              <a:t>2016. 10. 04.</a:t>
             </a:fld>
             <a:endParaRPr lang="hu-HU"/>
           </a:p>
@@ -1025,7 +2155,7 @@
           <a:p>
             <a:fld id="{C6E8B002-83F0-41C5-A7B7-2819A96BD9B2}" type="datetimeFigureOut">
               <a:rPr lang="hu-HU" smtClean="0"/>
-              <a:t>2016. 10. 01.</a:t>
+              <a:t>2016. 10. 04.</a:t>
             </a:fld>
             <a:endParaRPr lang="hu-HU"/>
           </a:p>
@@ -1257,7 +2387,7 @@
           <a:p>
             <a:fld id="{C6E8B002-83F0-41C5-A7B7-2819A96BD9B2}" type="datetimeFigureOut">
               <a:rPr lang="hu-HU" smtClean="0"/>
-              <a:t>2016. 10. 01.</a:t>
+              <a:t>2016. 10. 04.</a:t>
             </a:fld>
             <a:endParaRPr lang="hu-HU"/>
           </a:p>
@@ -1624,7 +2754,7 @@
           <a:p>
             <a:fld id="{C6E8B002-83F0-41C5-A7B7-2819A96BD9B2}" type="datetimeFigureOut">
               <a:rPr lang="hu-HU" smtClean="0"/>
-              <a:t>2016. 10. 01.</a:t>
+              <a:t>2016. 10. 04.</a:t>
             </a:fld>
             <a:endParaRPr lang="hu-HU"/>
           </a:p>
@@ -1742,7 +2872,7 @@
           <a:p>
             <a:fld id="{C6E8B002-83F0-41C5-A7B7-2819A96BD9B2}" type="datetimeFigureOut">
               <a:rPr lang="hu-HU" smtClean="0"/>
-              <a:t>2016. 10. 01.</a:t>
+              <a:t>2016. 10. 04.</a:t>
             </a:fld>
             <a:endParaRPr lang="hu-HU"/>
           </a:p>
@@ -1837,7 +2967,7 @@
           <a:p>
             <a:fld id="{C6E8B002-83F0-41C5-A7B7-2819A96BD9B2}" type="datetimeFigureOut">
               <a:rPr lang="hu-HU" smtClean="0"/>
-              <a:t>2016. 10. 01.</a:t>
+              <a:t>2016. 10. 04.</a:t>
             </a:fld>
             <a:endParaRPr lang="hu-HU"/>
           </a:p>
@@ -2114,7 +3244,7 @@
           <a:p>
             <a:fld id="{C6E8B002-83F0-41C5-A7B7-2819A96BD9B2}" type="datetimeFigureOut">
               <a:rPr lang="hu-HU" smtClean="0"/>
-              <a:t>2016. 10. 01.</a:t>
+              <a:t>2016. 10. 04.</a:t>
             </a:fld>
             <a:endParaRPr lang="hu-HU"/>
           </a:p>
@@ -2371,7 +3501,7 @@
           <a:p>
             <a:fld id="{C6E8B002-83F0-41C5-A7B7-2819A96BD9B2}" type="datetimeFigureOut">
               <a:rPr lang="hu-HU" smtClean="0"/>
-              <a:t>2016. 10. 01.</a:t>
+              <a:t>2016. 10. 04.</a:t>
             </a:fld>
             <a:endParaRPr lang="hu-HU"/>
           </a:p>
@@ -2591,7 +3721,7 @@
           <a:p>
             <a:fld id="{C6E8B002-83F0-41C5-A7B7-2819A96BD9B2}" type="datetimeFigureOut">
               <a:rPr lang="hu-HU" smtClean="0"/>
-              <a:t>2016. 10. 01.</a:t>
+              <a:t>2016. 10. 04.</a:t>
             </a:fld>
             <a:endParaRPr lang="hu-HU"/>
           </a:p>
@@ -3166,7 +4296,19 @@
               <a:rPr lang="hu-HU" sz="2400" b="1" dirty="0" smtClean="0">
                 <a:latin typeface="+mj-lt"/>
               </a:rPr>
-              <a:t>Barócsi Norbert József</a:t>
+              <a:t>Barócsi </a:t>
+            </a:r>
+            <a:r>
+              <a:rPr lang="hu-HU" sz="2400" b="1" dirty="0" smtClean="0">
+                <a:latin typeface="+mj-lt"/>
+              </a:rPr>
+              <a:t>Norbert</a:t>
+            </a:r>
+            <a:r>
+              <a:rPr lang="hu-HU" sz="2400" b="1" dirty="0" smtClean="0">
+                <a:latin typeface="+mj-lt"/>
+              </a:rPr>
+              <a:t/>
             </a:r>
             <a:br>
               <a:rPr lang="hu-HU" sz="2400" b="1" dirty="0" smtClean="0">
@@ -3318,7 +4460,7 @@
         <p:spPr>
           <a:xfrm>
             <a:off x="519404" y="1772816"/>
-            <a:ext cx="3847323" cy="2862322"/>
+            <a:ext cx="3847323" cy="2554545"/>
           </a:xfrm>
           <a:prstGeom prst="rect">
             <a:avLst/>
@@ -3381,11 +4523,20 @@
               <a:buChar char="•"/>
             </a:pPr>
             <a:r>
+              <a:rPr lang="hu-HU" sz="2000" dirty="0">
+                <a:latin typeface="+mj-lt"/>
+              </a:rPr>
+              <a:t>Adatok </a:t>
+            </a:r>
+            <a:r>
               <a:rPr lang="hu-HU" sz="2000" dirty="0" smtClean="0">
                 <a:latin typeface="+mj-lt"/>
               </a:rPr>
-              <a:t>Adminisztrátor felület</a:t>
-            </a:r>
+              <a:t>módosítása</a:t>
+            </a:r>
+            <a:endParaRPr lang="hu-HU" sz="2000" dirty="0" smtClean="0">
+              <a:latin typeface="+mj-lt"/>
+            </a:endParaRPr>
           </a:p>
           <a:p>
             <a:pPr marL="285750" indent="-285750">
@@ -3399,7 +4550,7 @@
               <a:rPr lang="hu-HU" sz="2000" dirty="0" smtClean="0">
                 <a:latin typeface="+mj-lt"/>
               </a:rPr>
-              <a:t>Zenekar publikus profilja</a:t>
+              <a:t>Adminisztrátor felület</a:t>
             </a:r>
           </a:p>
           <a:p>
@@ -3411,21 +4562,20 @@
               <a:buChar char="•"/>
             </a:pPr>
             <a:r>
-              <a:rPr lang="hu-HU" sz="2000" dirty="0">
+              <a:rPr lang="hu-HU" sz="2000" dirty="0" smtClean="0">
                 <a:latin typeface="+mj-lt"/>
               </a:rPr>
-              <a:t>Adatok szerkesztése</a:t>
-            </a:r>
-          </a:p>
-          <a:p>
-            <a:endParaRPr lang="hu-HU" sz="2000" dirty="0"/>
+              <a:t>Zenekar publikus profilja</a:t>
+            </a:r>
           </a:p>
           <a:p>
             <a:pPr marL="285750" indent="-285750">
               <a:buFont typeface="Arial" panose="020B0604020202020204" pitchFamily="34" charset="0"/>
               <a:buChar char="•"/>
             </a:pPr>
-            <a:endParaRPr lang="hu-HU" sz="2000" dirty="0"/>
+            <a:endParaRPr lang="hu-HU" sz="2000" dirty="0">
+              <a:latin typeface="+mj-lt"/>
+            </a:endParaRPr>
           </a:p>
         </p:txBody>
       </p:sp>
@@ -3438,7 +4588,7 @@
           <p:nvPr/>
         </p:nvPicPr>
         <p:blipFill>
-          <a:blip r:embed="rId2" cstate="print">
+          <a:blip r:embed="rId3" cstate="print">
             <a:extLst>
               <a:ext uri="{28A0092B-C50C-407E-A947-70E740481C1C}">
                 <a14:useLocalDpi xmlns:a14="http://schemas.microsoft.com/office/drawing/2010/main" val="0"/>
@@ -3468,7 +4618,7 @@
           <p:nvPr/>
         </p:nvPicPr>
         <p:blipFill>
-          <a:blip r:embed="rId3">
+          <a:blip r:embed="rId4">
             <a:extLst>
               <a:ext uri="{28A0092B-C50C-407E-A947-70E740481C1C}">
                 <a14:useLocalDpi xmlns:a14="http://schemas.microsoft.com/office/drawing/2010/main" val="0"/>
@@ -3498,7 +4648,7 @@
           <p:nvPr/>
         </p:nvPicPr>
         <p:blipFill>
-          <a:blip r:embed="rId4" cstate="print">
+          <a:blip r:embed="rId5" cstate="print">
             <a:extLst>
               <a:ext uri="{28A0092B-C50C-407E-A947-70E740481C1C}">
                 <a14:useLocalDpi xmlns:a14="http://schemas.microsoft.com/office/drawing/2010/main" val="0"/>
@@ -3773,7 +4923,7 @@
           <p:nvPr/>
         </p:nvPicPr>
         <p:blipFill>
-          <a:blip r:embed="rId2">
+          <a:blip r:embed="rId3">
             <a:extLst>
               <a:ext uri="{28A0092B-C50C-407E-A947-70E740481C1C}">
                 <a14:useLocalDpi xmlns:a14="http://schemas.microsoft.com/office/drawing/2010/main" val="0"/>
@@ -3803,7 +4953,7 @@
           <p:nvPr/>
         </p:nvPicPr>
         <p:blipFill>
-          <a:blip r:embed="rId3">
+          <a:blip r:embed="rId4">
             <a:extLst>
               <a:ext uri="{28A0092B-C50C-407E-A947-70E740481C1C}">
                 <a14:useLocalDpi xmlns:a14="http://schemas.microsoft.com/office/drawing/2010/main" val="0"/>
@@ -3833,7 +4983,7 @@
           <p:nvPr/>
         </p:nvPicPr>
         <p:blipFill>
-          <a:blip r:embed="rId4" cstate="print">
+          <a:blip r:embed="rId5" cstate="print">
             <a:extLst>
               <a:ext uri="{28A0092B-C50C-407E-A947-70E740481C1C}">
                 <a14:useLocalDpi xmlns:a14="http://schemas.microsoft.com/office/drawing/2010/main" val="0"/>
@@ -3969,9 +5119,6 @@
               </a:rPr>
               <a:t>Újdonságok a fejlesztés során:</a:t>
             </a:r>
-            <a:endParaRPr lang="hu-HU" sz="2800" b="1" dirty="0" smtClean="0">
-              <a:latin typeface="+mj-lt"/>
-            </a:endParaRPr>
           </a:p>
         </p:txBody>
       </p:sp>
@@ -4057,7 +5204,7 @@
           <p:nvPr/>
         </p:nvPicPr>
         <p:blipFill>
-          <a:blip r:embed="rId2" cstate="print">
+          <a:blip r:embed="rId3" cstate="print">
             <a:extLst>
               <a:ext uri="{28A0092B-C50C-407E-A947-70E740481C1C}">
                 <a14:useLocalDpi xmlns:a14="http://schemas.microsoft.com/office/drawing/2010/main" val="0"/>
@@ -4143,9 +5290,6 @@
               </a:rPr>
               <a:t>Nehézségek a fejlesztés során:</a:t>
             </a:r>
-            <a:endParaRPr lang="hu-HU" sz="2800" b="1" dirty="0" smtClean="0">
-              <a:latin typeface="+mj-lt"/>
-            </a:endParaRPr>
           </a:p>
         </p:txBody>
       </p:sp>
@@ -4335,8 +5479,13 @@
             <a:pPr algn="ctr"/>
             <a:r>
               <a:rPr lang="hu-HU" sz="1400" dirty="0" smtClean="0"/>
-              <a:t>Szolgáltatás réteg</a:t>
-            </a:r>
+              <a:t>Szolgáltatás </a:t>
+            </a:r>
+            <a:r>
+              <a:rPr lang="hu-HU" sz="1400" dirty="0" smtClean="0"/>
+              <a:t>réteg és a megvalósítás</a:t>
+            </a:r>
+            <a:endParaRPr lang="hu-HU" sz="1400" dirty="0" smtClean="0"/>
           </a:p>
         </p:txBody>
       </p:sp>
@@ -4392,7 +5541,7 @@
         </p:nvSpPr>
         <p:spPr>
           <a:xfrm>
-            <a:off x="3318588" y="4270022"/>
+            <a:off x="3239454" y="4358348"/>
             <a:ext cx="2653004" cy="447869"/>
           </a:xfrm>
           <a:prstGeom prst="ellipse">
@@ -4436,7 +5585,7 @@
         </p:nvSpPr>
         <p:spPr>
           <a:xfrm>
-            <a:off x="4497355" y="3643243"/>
+            <a:off x="4497355" y="3693904"/>
             <a:ext cx="149289" cy="525769"/>
           </a:xfrm>
           <a:prstGeom prst="upDownArrow">
@@ -4516,7 +5665,7 @@
         </p:nvSpPr>
         <p:spPr>
           <a:xfrm rot="774221">
-            <a:off x="5421086" y="3447885"/>
+            <a:off x="5571356" y="3476054"/>
             <a:ext cx="1480457" cy="114100"/>
           </a:xfrm>
           <a:prstGeom prst="leftRightArrow">
@@ -4556,7 +5705,7 @@
         </p:nvSpPr>
         <p:spPr>
           <a:xfrm rot="779958">
-            <a:off x="5711315" y="3217223"/>
+            <a:off x="5858681" y="3270219"/>
             <a:ext cx="1200539" cy="253916"/>
           </a:xfrm>
           <a:prstGeom prst="rect">
@@ -4670,7 +5819,7 @@
         </p:nvSpPr>
         <p:spPr>
           <a:xfrm>
-            <a:off x="5836413" y="3126176"/>
+            <a:off x="5996956" y="3119435"/>
             <a:ext cx="650081" cy="667957"/>
           </a:xfrm>
           <a:prstGeom prst="noSmoking">
@@ -4716,6 +5865,228 @@
           </a:p>
         </p:txBody>
       </p:sp>
+      <p:sp>
+        <p:nvSpPr>
+          <p:cNvPr id="21" name="Téglalap 20"/>
+          <p:cNvSpPr/>
+          <p:nvPr/>
+        </p:nvSpPr>
+        <p:spPr>
+          <a:xfrm>
+            <a:off x="3846273" y="3085451"/>
+            <a:ext cx="1532595" cy="397144"/>
+          </a:xfrm>
+          <a:prstGeom prst="rect">
+            <a:avLst/>
+          </a:prstGeom>
+        </p:spPr>
+        <p:style>
+          <a:lnRef idx="2">
+            <a:schemeClr val="accent1">
+              <a:shade val="50000"/>
+            </a:schemeClr>
+          </a:lnRef>
+          <a:fillRef idx="1">
+            <a:schemeClr val="accent1"/>
+          </a:fillRef>
+          <a:effectRef idx="0">
+            <a:schemeClr val="accent1"/>
+          </a:effectRef>
+          <a:fontRef idx="minor">
+            <a:schemeClr val="lt1"/>
+          </a:fontRef>
+        </p:style>
+        <p:txBody>
+          <a:bodyPr rtlCol="0" anchor="ctr"/>
+          <a:lstStyle/>
+          <a:p>
+            <a:pPr algn="ctr"/>
+            <a:r>
+              <a:rPr lang="hu-HU" sz="1400" dirty="0" smtClean="0"/>
+              <a:t>Szolgáltatás </a:t>
+            </a:r>
+            <a:r>
+              <a:rPr lang="hu-HU" sz="1400" dirty="0" smtClean="0"/>
+              <a:t>réteg</a:t>
+            </a:r>
+            <a:endParaRPr lang="hu-HU" sz="1400" dirty="0" smtClean="0"/>
+          </a:p>
+        </p:txBody>
+      </p:sp>
+      <p:pic>
+        <p:nvPicPr>
+          <p:cNvPr id="3" name="Kép 2"/>
+          <p:cNvPicPr>
+            <a:picLocks noChangeAspect="1"/>
+          </p:cNvPicPr>
+          <p:nvPr/>
+        </p:nvPicPr>
+        <p:blipFill>
+          <a:blip r:embed="rId3" cstate="print">
+            <a:extLst>
+              <a:ext uri="{28A0092B-C50C-407E-A947-70E740481C1C}">
+                <a14:useLocalDpi xmlns:a14="http://schemas.microsoft.com/office/drawing/2010/main" val="0"/>
+              </a:ext>
+            </a:extLst>
+          </a:blip>
+          <a:stretch>
+            <a:fillRect/>
+          </a:stretch>
+        </p:blipFill>
+        <p:spPr>
+          <a:xfrm>
+            <a:off x="7045860" y="1176306"/>
+            <a:ext cx="569486" cy="569486"/>
+          </a:xfrm>
+          <a:prstGeom prst="rect">
+            <a:avLst/>
+          </a:prstGeom>
+        </p:spPr>
+      </p:pic>
+      <p:pic>
+        <p:nvPicPr>
+          <p:cNvPr id="22" name="Kép 21"/>
+          <p:cNvPicPr>
+            <a:picLocks noChangeAspect="1"/>
+          </p:cNvPicPr>
+          <p:nvPr/>
+        </p:nvPicPr>
+        <p:blipFill>
+          <a:blip r:embed="rId3" cstate="print">
+            <a:extLst>
+              <a:ext uri="{28A0092B-C50C-407E-A947-70E740481C1C}">
+                <a14:useLocalDpi xmlns:a14="http://schemas.microsoft.com/office/drawing/2010/main" val="0"/>
+              </a:ext>
+            </a:extLst>
+          </a:blip>
+          <a:stretch>
+            <a:fillRect/>
+          </a:stretch>
+        </p:blipFill>
+        <p:spPr>
+          <a:xfrm>
+            <a:off x="7822338" y="1745792"/>
+            <a:ext cx="569486" cy="569486"/>
+          </a:xfrm>
+          <a:prstGeom prst="rect">
+            <a:avLst/>
+          </a:prstGeom>
+        </p:spPr>
+      </p:pic>
+      <p:sp>
+        <p:nvSpPr>
+          <p:cNvPr id="25" name="Tilos tábla 24"/>
+          <p:cNvSpPr/>
+          <p:nvPr/>
+        </p:nvSpPr>
+        <p:spPr>
+          <a:xfrm>
+            <a:off x="6010223" y="3113761"/>
+            <a:ext cx="650081" cy="667957"/>
+          </a:xfrm>
+          <a:prstGeom prst="noSmoking">
+            <a:avLst/>
+          </a:prstGeom>
+          <a:solidFill>
+            <a:srgbClr val="C00000">
+              <a:alpha val="59000"/>
+            </a:srgbClr>
+          </a:solidFill>
+          <a:ln>
+            <a:solidFill>
+              <a:schemeClr val="tx1"/>
+            </a:solidFill>
+          </a:ln>
+        </p:spPr>
+        <p:style>
+          <a:lnRef idx="2">
+            <a:schemeClr val="accent1">
+              <a:shade val="50000"/>
+            </a:schemeClr>
+          </a:lnRef>
+          <a:fillRef idx="1">
+            <a:schemeClr val="accent1"/>
+          </a:fillRef>
+          <a:effectRef idx="0">
+            <a:schemeClr val="accent1"/>
+          </a:effectRef>
+          <a:fontRef idx="minor">
+            <a:schemeClr val="lt1"/>
+          </a:fontRef>
+        </p:style>
+        <p:txBody>
+          <a:bodyPr rtlCol="0" anchor="ctr"/>
+          <a:lstStyle/>
+          <a:p>
+            <a:pPr algn="ctr"/>
+            <a:endParaRPr lang="hu-HU">
+              <a:solidFill>
+                <a:schemeClr val="tx1"/>
+              </a:solidFill>
+            </a:endParaRPr>
+          </a:p>
+        </p:txBody>
+      </p:sp>
+      <p:pic>
+        <p:nvPicPr>
+          <p:cNvPr id="7" name="Kép 6"/>
+          <p:cNvPicPr>
+            <a:picLocks noChangeAspect="1"/>
+          </p:cNvPicPr>
+          <p:nvPr/>
+        </p:nvPicPr>
+        <p:blipFill>
+          <a:blip r:embed="rId4" cstate="print">
+            <a:extLst>
+              <a:ext uri="{28A0092B-C50C-407E-A947-70E740481C1C}">
+                <a14:useLocalDpi xmlns:a14="http://schemas.microsoft.com/office/drawing/2010/main" val="0"/>
+              </a:ext>
+            </a:extLst>
+          </a:blip>
+          <a:stretch>
+            <a:fillRect/>
+          </a:stretch>
+        </p:blipFill>
+        <p:spPr>
+          <a:xfrm>
+            <a:off x="4325351" y="2581099"/>
+            <a:ext cx="481209" cy="477013"/>
+          </a:xfrm>
+          <a:prstGeom prst="rect">
+            <a:avLst/>
+          </a:prstGeom>
+        </p:spPr>
+      </p:pic>
+      <p:pic>
+        <p:nvPicPr>
+          <p:cNvPr id="26" name="Kép 25"/>
+          <p:cNvPicPr>
+            <a:picLocks noChangeAspect="1"/>
+          </p:cNvPicPr>
+          <p:nvPr/>
+        </p:nvPicPr>
+        <p:blipFill>
+          <a:blip r:embed="rId4" cstate="print">
+            <a:extLst>
+              <a:ext uri="{28A0092B-C50C-407E-A947-70E740481C1C}">
+                <a14:useLocalDpi xmlns:a14="http://schemas.microsoft.com/office/drawing/2010/main" val="0"/>
+              </a:ext>
+            </a:extLst>
+          </a:blip>
+          <a:stretch>
+            <a:fillRect/>
+          </a:stretch>
+        </p:blipFill>
+        <p:spPr>
+          <a:xfrm>
+            <a:off x="7569828" y="3093009"/>
+            <a:ext cx="481209" cy="477013"/>
+          </a:xfrm>
+          <a:prstGeom prst="rect">
+            <a:avLst/>
+          </a:prstGeom>
+        </p:spPr>
+      </p:pic>
     </p:spTree>
     <p:extLst>
       <p:ext uri="{BB962C8B-B14F-4D97-AF65-F5344CB8AC3E}">
@@ -4729,9 +6100,464 @@
   <p:timing>
     <p:tnLst>
       <p:par>
-        <p:cTn id="1" dur="indefinite" restart="never" nodeType="tmRoot"/>
+        <p:cTn id="1" dur="indefinite" restart="never" nodeType="tmRoot">
+          <p:childTnLst>
+            <p:seq concurrent="1" nextAc="seek">
+              <p:cTn id="2" dur="indefinite" nodeType="mainSeq">
+                <p:childTnLst>
+                  <p:par>
+                    <p:cTn id="3" fill="hold">
+                      <p:stCondLst>
+                        <p:cond delay="indefinite"/>
+                      </p:stCondLst>
+                      <p:childTnLst>
+                        <p:par>
+                          <p:cTn id="4" fill="hold">
+                            <p:stCondLst>
+                              <p:cond delay="0"/>
+                            </p:stCondLst>
+                            <p:childTnLst>
+                              <p:par>
+                                <p:cTn id="5" presetID="1" presetClass="entr" presetSubtype="0" fill="hold" grpId="0" nodeType="clickEffect">
+                                  <p:stCondLst>
+                                    <p:cond delay="0"/>
+                                  </p:stCondLst>
+                                  <p:childTnLst>
+                                    <p:set>
+                                      <p:cBhvr>
+                                        <p:cTn id="6" dur="1" fill="hold">
+                                          <p:stCondLst>
+                                            <p:cond delay="0"/>
+                                          </p:stCondLst>
+                                        </p:cTn>
+                                        <p:tgtEl>
+                                          <p:spTgt spid="21"/>
+                                        </p:tgtEl>
+                                        <p:attrNameLst>
+                                          <p:attrName>style.visibility</p:attrName>
+                                        </p:attrNameLst>
+                                      </p:cBhvr>
+                                      <p:to>
+                                        <p:strVal val="visible"/>
+                                      </p:to>
+                                    </p:set>
+                                  </p:childTnLst>
+                                </p:cTn>
+                              </p:par>
+                              <p:par>
+                                <p:cTn id="7" presetID="1" presetClass="entr" presetSubtype="0" fill="hold" grpId="0" nodeType="withEffect">
+                                  <p:stCondLst>
+                                    <p:cond delay="0"/>
+                                  </p:stCondLst>
+                                  <p:childTnLst>
+                                    <p:set>
+                                      <p:cBhvr>
+                                        <p:cTn id="8" dur="1" fill="hold">
+                                          <p:stCondLst>
+                                            <p:cond delay="0"/>
+                                          </p:stCondLst>
+                                        </p:cTn>
+                                        <p:tgtEl>
+                                          <p:spTgt spid="16"/>
+                                        </p:tgtEl>
+                                        <p:attrNameLst>
+                                          <p:attrName>style.visibility</p:attrName>
+                                        </p:attrNameLst>
+                                      </p:cBhvr>
+                                      <p:to>
+                                        <p:strVal val="visible"/>
+                                      </p:to>
+                                    </p:set>
+                                  </p:childTnLst>
+                                </p:cTn>
+                              </p:par>
+                              <p:par>
+                                <p:cTn id="9" presetID="1" presetClass="entr" presetSubtype="0" fill="hold" grpId="0" nodeType="withEffect">
+                                  <p:stCondLst>
+                                    <p:cond delay="0"/>
+                                  </p:stCondLst>
+                                  <p:childTnLst>
+                                    <p:set>
+                                      <p:cBhvr>
+                                        <p:cTn id="10" dur="1" fill="hold">
+                                          <p:stCondLst>
+                                            <p:cond delay="0"/>
+                                          </p:stCondLst>
+                                        </p:cTn>
+                                        <p:tgtEl>
+                                          <p:spTgt spid="13"/>
+                                        </p:tgtEl>
+                                        <p:attrNameLst>
+                                          <p:attrName>style.visibility</p:attrName>
+                                        </p:attrNameLst>
+                                      </p:cBhvr>
+                                      <p:to>
+                                        <p:strVal val="visible"/>
+                                      </p:to>
+                                    </p:set>
+                                  </p:childTnLst>
+                                </p:cTn>
+                              </p:par>
+                              <p:par>
+                                <p:cTn id="11" presetID="1" presetClass="exit" presetSubtype="0" fill="hold" grpId="0" nodeType="withEffect">
+                                  <p:stCondLst>
+                                    <p:cond delay="0"/>
+                                  </p:stCondLst>
+                                  <p:childTnLst>
+                                    <p:set>
+                                      <p:cBhvr>
+                                        <p:cTn id="12" dur="1" fill="hold">
+                                          <p:stCondLst>
+                                            <p:cond delay="0"/>
+                                          </p:stCondLst>
+                                        </p:cTn>
+                                        <p:tgtEl>
+                                          <p:spTgt spid="23"/>
+                                        </p:tgtEl>
+                                        <p:attrNameLst>
+                                          <p:attrName>style.visibility</p:attrName>
+                                        </p:attrNameLst>
+                                      </p:cBhvr>
+                                      <p:to>
+                                        <p:strVal val="hidden"/>
+                                      </p:to>
+                                    </p:set>
+                                  </p:childTnLst>
+                                </p:cTn>
+                              </p:par>
+                              <p:par>
+                                <p:cTn id="13" presetID="1" presetClass="exit" presetSubtype="0" fill="hold" grpId="0" nodeType="withEffect">
+                                  <p:stCondLst>
+                                    <p:cond delay="0"/>
+                                  </p:stCondLst>
+                                  <p:childTnLst>
+                                    <p:set>
+                                      <p:cBhvr>
+                                        <p:cTn id="14" dur="1" fill="hold">
+                                          <p:stCondLst>
+                                            <p:cond delay="0"/>
+                                          </p:stCondLst>
+                                        </p:cTn>
+                                        <p:tgtEl>
+                                          <p:spTgt spid="24"/>
+                                        </p:tgtEl>
+                                        <p:attrNameLst>
+                                          <p:attrName>style.visibility</p:attrName>
+                                        </p:attrNameLst>
+                                      </p:cBhvr>
+                                      <p:to>
+                                        <p:strVal val="hidden"/>
+                                      </p:to>
+                                    </p:set>
+                                  </p:childTnLst>
+                                </p:cTn>
+                              </p:par>
+                              <p:par>
+                                <p:cTn id="15" presetID="1" presetClass="entr" presetSubtype="0" fill="hold" nodeType="withEffect">
+                                  <p:stCondLst>
+                                    <p:cond delay="0"/>
+                                  </p:stCondLst>
+                                  <p:childTnLst>
+                                    <p:set>
+                                      <p:cBhvr>
+                                        <p:cTn id="16" dur="1" fill="hold">
+                                          <p:stCondLst>
+                                            <p:cond delay="0"/>
+                                          </p:stCondLst>
+                                        </p:cTn>
+                                        <p:tgtEl>
+                                          <p:spTgt spid="3"/>
+                                        </p:tgtEl>
+                                        <p:attrNameLst>
+                                          <p:attrName>style.visibility</p:attrName>
+                                        </p:attrNameLst>
+                                      </p:cBhvr>
+                                      <p:to>
+                                        <p:strVal val="visible"/>
+                                      </p:to>
+                                    </p:set>
+                                  </p:childTnLst>
+                                </p:cTn>
+                              </p:par>
+                            </p:childTnLst>
+                          </p:cTn>
+                        </p:par>
+                      </p:childTnLst>
+                    </p:cTn>
+                  </p:par>
+                  <p:par>
+                    <p:cTn id="17" fill="hold">
+                      <p:stCondLst>
+                        <p:cond delay="indefinite"/>
+                      </p:stCondLst>
+                      <p:childTnLst>
+                        <p:par>
+                          <p:cTn id="18" fill="hold">
+                            <p:stCondLst>
+                              <p:cond delay="0"/>
+                            </p:stCondLst>
+                            <p:childTnLst>
+                              <p:par>
+                                <p:cTn id="19" presetID="1" presetClass="entr" presetSubtype="0" fill="hold" grpId="0" nodeType="clickEffect">
+                                  <p:stCondLst>
+                                    <p:cond delay="0"/>
+                                  </p:stCondLst>
+                                  <p:childTnLst>
+                                    <p:set>
+                                      <p:cBhvr>
+                                        <p:cTn id="20" dur="1" fill="hold">
+                                          <p:stCondLst>
+                                            <p:cond delay="0"/>
+                                          </p:stCondLst>
+                                        </p:cTn>
+                                        <p:tgtEl>
+                                          <p:spTgt spid="25"/>
+                                        </p:tgtEl>
+                                        <p:attrNameLst>
+                                          <p:attrName>style.visibility</p:attrName>
+                                        </p:attrNameLst>
+                                      </p:cBhvr>
+                                      <p:to>
+                                        <p:strVal val="visible"/>
+                                      </p:to>
+                                    </p:set>
+                                  </p:childTnLst>
+                                </p:cTn>
+                              </p:par>
+                            </p:childTnLst>
+                          </p:cTn>
+                        </p:par>
+                      </p:childTnLst>
+                    </p:cTn>
+                  </p:par>
+                  <p:par>
+                    <p:cTn id="21" fill="hold">
+                      <p:stCondLst>
+                        <p:cond delay="indefinite"/>
+                      </p:stCondLst>
+                      <p:childTnLst>
+                        <p:par>
+                          <p:cTn id="22" fill="hold">
+                            <p:stCondLst>
+                              <p:cond delay="0"/>
+                            </p:stCondLst>
+                            <p:childTnLst>
+                              <p:par>
+                                <p:cTn id="23" presetID="1" presetClass="entr" presetSubtype="0" fill="hold" nodeType="clickEffect">
+                                  <p:stCondLst>
+                                    <p:cond delay="0"/>
+                                  </p:stCondLst>
+                                  <p:childTnLst>
+                                    <p:set>
+                                      <p:cBhvr>
+                                        <p:cTn id="24" dur="1" fill="hold">
+                                          <p:stCondLst>
+                                            <p:cond delay="0"/>
+                                          </p:stCondLst>
+                                        </p:cTn>
+                                        <p:tgtEl>
+                                          <p:spTgt spid="7"/>
+                                        </p:tgtEl>
+                                        <p:attrNameLst>
+                                          <p:attrName>style.visibility</p:attrName>
+                                        </p:attrNameLst>
+                                      </p:cBhvr>
+                                      <p:to>
+                                        <p:strVal val="visible"/>
+                                      </p:to>
+                                    </p:set>
+                                  </p:childTnLst>
+                                </p:cTn>
+                              </p:par>
+                              <p:par>
+                                <p:cTn id="25" presetID="1" presetClass="entr" presetSubtype="0" fill="hold" nodeType="withEffect">
+                                  <p:stCondLst>
+                                    <p:cond delay="0"/>
+                                  </p:stCondLst>
+                                  <p:childTnLst>
+                                    <p:set>
+                                      <p:cBhvr>
+                                        <p:cTn id="26" dur="1" fill="hold">
+                                          <p:stCondLst>
+                                            <p:cond delay="0"/>
+                                          </p:stCondLst>
+                                        </p:cTn>
+                                        <p:tgtEl>
+                                          <p:spTgt spid="26"/>
+                                        </p:tgtEl>
+                                        <p:attrNameLst>
+                                          <p:attrName>style.visibility</p:attrName>
+                                        </p:attrNameLst>
+                                      </p:cBhvr>
+                                      <p:to>
+                                        <p:strVal val="visible"/>
+                                      </p:to>
+                                    </p:set>
+                                  </p:childTnLst>
+                                </p:cTn>
+                              </p:par>
+                              <p:par>
+                                <p:cTn id="27" presetID="1" presetClass="exit" presetSubtype="0" fill="hold" grpId="1" nodeType="withEffect">
+                                  <p:stCondLst>
+                                    <p:cond delay="0"/>
+                                  </p:stCondLst>
+                                  <p:childTnLst>
+                                    <p:set>
+                                      <p:cBhvr>
+                                        <p:cTn id="28" dur="1" fill="hold">
+                                          <p:stCondLst>
+                                            <p:cond delay="0"/>
+                                          </p:stCondLst>
+                                        </p:cTn>
+                                        <p:tgtEl>
+                                          <p:spTgt spid="25"/>
+                                        </p:tgtEl>
+                                        <p:attrNameLst>
+                                          <p:attrName>style.visibility</p:attrName>
+                                        </p:attrNameLst>
+                                      </p:cBhvr>
+                                      <p:to>
+                                        <p:strVal val="hidden"/>
+                                      </p:to>
+                                    </p:set>
+                                  </p:childTnLst>
+                                </p:cTn>
+                              </p:par>
+                            </p:childTnLst>
+                          </p:cTn>
+                        </p:par>
+                      </p:childTnLst>
+                    </p:cTn>
+                  </p:par>
+                  <p:par>
+                    <p:cTn id="29" fill="hold">
+                      <p:stCondLst>
+                        <p:cond delay="indefinite"/>
+                      </p:stCondLst>
+                      <p:childTnLst>
+                        <p:par>
+                          <p:cTn id="30" fill="hold">
+                            <p:stCondLst>
+                              <p:cond delay="0"/>
+                            </p:stCondLst>
+                            <p:childTnLst>
+                              <p:par>
+                                <p:cTn id="31" presetID="1" presetClass="entr" presetSubtype="0" fill="hold" nodeType="clickEffect">
+                                  <p:stCondLst>
+                                    <p:cond delay="0"/>
+                                  </p:stCondLst>
+                                  <p:childTnLst>
+                                    <p:set>
+                                      <p:cBhvr>
+                                        <p:cTn id="32" dur="1" fill="hold">
+                                          <p:stCondLst>
+                                            <p:cond delay="0"/>
+                                          </p:stCondLst>
+                                        </p:cTn>
+                                        <p:tgtEl>
+                                          <p:spTgt spid="22"/>
+                                        </p:tgtEl>
+                                        <p:attrNameLst>
+                                          <p:attrName>style.visibility</p:attrName>
+                                        </p:attrNameLst>
+                                      </p:cBhvr>
+                                      <p:to>
+                                        <p:strVal val="visible"/>
+                                      </p:to>
+                                    </p:set>
+                                  </p:childTnLst>
+                                </p:cTn>
+                              </p:par>
+                              <p:par>
+                                <p:cTn id="33" presetID="1" presetClass="exit" presetSubtype="0" fill="hold" nodeType="withEffect">
+                                  <p:stCondLst>
+                                    <p:cond delay="0"/>
+                                  </p:stCondLst>
+                                  <p:childTnLst>
+                                    <p:set>
+                                      <p:cBhvr>
+                                        <p:cTn id="34" dur="1" fill="hold">
+                                          <p:stCondLst>
+                                            <p:cond delay="0"/>
+                                          </p:stCondLst>
+                                        </p:cTn>
+                                        <p:tgtEl>
+                                          <p:spTgt spid="7"/>
+                                        </p:tgtEl>
+                                        <p:attrNameLst>
+                                          <p:attrName>style.visibility</p:attrName>
+                                        </p:attrNameLst>
+                                      </p:cBhvr>
+                                      <p:to>
+                                        <p:strVal val="hidden"/>
+                                      </p:to>
+                                    </p:set>
+                                  </p:childTnLst>
+                                </p:cTn>
+                              </p:par>
+                              <p:par>
+                                <p:cTn id="35" presetID="1" presetClass="exit" presetSubtype="0" fill="hold" nodeType="withEffect">
+                                  <p:stCondLst>
+                                    <p:cond delay="0"/>
+                                  </p:stCondLst>
+                                  <p:childTnLst>
+                                    <p:set>
+                                      <p:cBhvr>
+                                        <p:cTn id="36" dur="1" fill="hold">
+                                          <p:stCondLst>
+                                            <p:cond delay="0"/>
+                                          </p:stCondLst>
+                                        </p:cTn>
+                                        <p:tgtEl>
+                                          <p:spTgt spid="26"/>
+                                        </p:tgtEl>
+                                        <p:attrNameLst>
+                                          <p:attrName>style.visibility</p:attrName>
+                                        </p:attrNameLst>
+                                      </p:cBhvr>
+                                      <p:to>
+                                        <p:strVal val="hidden"/>
+                                      </p:to>
+                                    </p:set>
+                                  </p:childTnLst>
+                                </p:cTn>
+                              </p:par>
+                            </p:childTnLst>
+                          </p:cTn>
+                        </p:par>
+                      </p:childTnLst>
+                    </p:cTn>
+                  </p:par>
+                </p:childTnLst>
+              </p:cTn>
+              <p:prevCondLst>
+                <p:cond evt="onPrev" delay="0">
+                  <p:tgtEl>
+                    <p:sldTgt/>
+                  </p:tgtEl>
+                </p:cond>
+              </p:prevCondLst>
+              <p:nextCondLst>
+                <p:cond evt="onNext" delay="0">
+                  <p:tgtEl>
+                    <p:sldTgt/>
+                  </p:tgtEl>
+                </p:cond>
+              </p:nextCondLst>
+            </p:seq>
+          </p:childTnLst>
+        </p:cTn>
       </p:par>
     </p:tnLst>
+    <p:bldLst>
+      <p:bldP spid="13" grpId="0" animBg="1"/>
+      <p:bldP spid="16" grpId="0" animBg="1"/>
+      <p:bldP spid="23" grpId="0" animBg="1"/>
+      <p:bldP spid="24" grpId="0" animBg="1"/>
+      <p:bldP spid="21" grpId="0" animBg="1"/>
+      <p:bldP spid="25" grpId="0" animBg="1"/>
+      <p:bldP spid="25" grpId="1" animBg="1"/>
+    </p:bldLst>
   </p:timing>
 </p:sld>
 </file>
@@ -4831,9 +6657,6 @@
               </a:rPr>
               <a:t>Tapasztalatok a fejlesztés során:</a:t>
             </a:r>
-            <a:endParaRPr lang="hu-HU" sz="2800" b="1" dirty="0" smtClean="0">
-              <a:latin typeface="+mj-lt"/>
-            </a:endParaRPr>
           </a:p>
         </p:txBody>
       </p:sp>
@@ -4928,7 +6751,7 @@
           <p:nvPr/>
         </p:nvPicPr>
         <p:blipFill>
-          <a:blip r:embed="rId2" cstate="print">
+          <a:blip r:embed="rId3" cstate="print">
             <a:extLst>
               <a:ext uri="{28A0092B-C50C-407E-A947-70E740481C1C}">
                 <a14:useLocalDpi xmlns:a14="http://schemas.microsoft.com/office/drawing/2010/main" val="0"/>
@@ -5208,8 +7031,23 @@
                 </a:solidFill>
                 <a:latin typeface="+mj-lt"/>
               </a:rPr>
-              <a:t>Barócsi Norbert József</a:t>
-            </a:r>
+              <a:t>Barócsi </a:t>
+            </a:r>
+            <a:r>
+              <a:rPr lang="hu-HU" sz="1500" i="1" dirty="0" smtClean="0">
+                <a:solidFill>
+                  <a:schemeClr val="bg1"/>
+                </a:solidFill>
+                <a:latin typeface="+mj-lt"/>
+              </a:rPr>
+              <a:t>Norbert</a:t>
+            </a:r>
+            <a:endParaRPr lang="hu-HU" sz="1500" i="1" dirty="0" smtClean="0">
+              <a:solidFill>
+                <a:schemeClr val="bg1"/>
+              </a:solidFill>
+              <a:latin typeface="+mj-lt"/>
+            </a:endParaRPr>
           </a:p>
           <a:p>
             <a:pPr marL="0" indent="0">
@@ -5514,22 +7352,274 @@
 </a:theme>
 </file>
 
-<file path=customXml/item1.xml><?xml version="1.0" encoding="utf-8"?>
-<?mso-contentType ?>
-<FormTemplates xmlns="http://schemas.microsoft.com/sharepoint/v3/contenttype/forms">
-  <Display>DocumentLibraryForm</Display>
-  <Edit>DocumentLibraryForm</Edit>
-  <New>DocumentLibraryForm</New>
-</FormTemplates>
+<file path=ppt/theme/theme2.xml><?xml version="1.0" encoding="utf-8"?>
+<a:theme xmlns:a="http://schemas.openxmlformats.org/drawingml/2006/main" name="Office-téma">
+  <a:themeElements>
+    <a:clrScheme name="Office">
+      <a:dk1>
+        <a:sysClr val="windowText" lastClr="000000"/>
+      </a:dk1>
+      <a:lt1>
+        <a:sysClr val="window" lastClr="FFFFFF"/>
+      </a:lt1>
+      <a:dk2>
+        <a:srgbClr val="44546A"/>
+      </a:dk2>
+      <a:lt2>
+        <a:srgbClr val="E7E6E6"/>
+      </a:lt2>
+      <a:accent1>
+        <a:srgbClr val="5B9BD5"/>
+      </a:accent1>
+      <a:accent2>
+        <a:srgbClr val="ED7D31"/>
+      </a:accent2>
+      <a:accent3>
+        <a:srgbClr val="A5A5A5"/>
+      </a:accent3>
+      <a:accent4>
+        <a:srgbClr val="FFC000"/>
+      </a:accent4>
+      <a:accent5>
+        <a:srgbClr val="4472C4"/>
+      </a:accent5>
+      <a:accent6>
+        <a:srgbClr val="70AD47"/>
+      </a:accent6>
+      <a:hlink>
+        <a:srgbClr val="0563C1"/>
+      </a:hlink>
+      <a:folHlink>
+        <a:srgbClr val="954F72"/>
+      </a:folHlink>
+    </a:clrScheme>
+    <a:fontScheme name="Office">
+      <a:majorFont>
+        <a:latin typeface="Calibri Light" panose="020F0302020204030204"/>
+        <a:ea typeface=""/>
+        <a:cs typeface=""/>
+        <a:font script="Jpan" typeface="ＭＳ Ｐゴシック"/>
+        <a:font script="Hang" typeface="맑은 고딕"/>
+        <a:font script="Hans" typeface="宋体"/>
+        <a:font script="Hant" typeface="新細明體"/>
+        <a:font script="Arab" typeface="Times New Roman"/>
+        <a:font script="Hebr" typeface="Times New Roman"/>
+        <a:font script="Thai" typeface="Angsana New"/>
+        <a:font script="Ethi" typeface="Nyala"/>
+        <a:font script="Beng" typeface="Vrinda"/>
+        <a:font script="Gujr" typeface="Shruti"/>
+        <a:font script="Khmr" typeface="MoolBoran"/>
+        <a:font script="Knda" typeface="Tunga"/>
+        <a:font script="Guru" typeface="Raavi"/>
+        <a:font script="Cans" typeface="Euphemia"/>
+        <a:font script="Cher" typeface="Plantagenet Cherokee"/>
+        <a:font script="Yiii" typeface="Microsoft Yi Baiti"/>
+        <a:font script="Tibt" typeface="Microsoft Himalaya"/>
+        <a:font script="Thaa" typeface="MV Boli"/>
+        <a:font script="Deva" typeface="Mangal"/>
+        <a:font script="Telu" typeface="Gautami"/>
+        <a:font script="Taml" typeface="Latha"/>
+        <a:font script="Syrc" typeface="Estrangelo Edessa"/>
+        <a:font script="Orya" typeface="Kalinga"/>
+        <a:font script="Mlym" typeface="Kartika"/>
+        <a:font script="Laoo" typeface="DokChampa"/>
+        <a:font script="Sinh" typeface="Iskoola Pota"/>
+        <a:font script="Mong" typeface="Mongolian Baiti"/>
+        <a:font script="Viet" typeface="Times New Roman"/>
+        <a:font script="Uigh" typeface="Microsoft Uighur"/>
+        <a:font script="Geor" typeface="Sylfaen"/>
+      </a:majorFont>
+      <a:minorFont>
+        <a:latin typeface="Calibri" panose="020F0502020204030204"/>
+        <a:ea typeface=""/>
+        <a:cs typeface=""/>
+        <a:font script="Jpan" typeface="ＭＳ Ｐゴシック"/>
+        <a:font script="Hang" typeface="맑은 고딕"/>
+        <a:font script="Hans" typeface="宋体"/>
+        <a:font script="Hant" typeface="新細明體"/>
+        <a:font script="Arab" typeface="Arial"/>
+        <a:font script="Hebr" typeface="Arial"/>
+        <a:font script="Thai" typeface="Cordia New"/>
+        <a:font script="Ethi" typeface="Nyala"/>
+        <a:font script="Beng" typeface="Vrinda"/>
+        <a:font script="Gujr" typeface="Shruti"/>
+        <a:font script="Khmr" typeface="DaunPenh"/>
+        <a:font script="Knda" typeface="Tunga"/>
+        <a:font script="Guru" typeface="Raavi"/>
+        <a:font script="Cans" typeface="Euphemia"/>
+        <a:font script="Cher" typeface="Plantagenet Cherokee"/>
+        <a:font script="Yiii" typeface="Microsoft Yi Baiti"/>
+        <a:font script="Tibt" typeface="Microsoft Himalaya"/>
+        <a:font script="Thaa" typeface="MV Boli"/>
+        <a:font script="Deva" typeface="Mangal"/>
+        <a:font script="Telu" typeface="Gautami"/>
+        <a:font script="Taml" typeface="Latha"/>
+        <a:font script="Syrc" typeface="Estrangelo Edessa"/>
+        <a:font script="Orya" typeface="Kalinga"/>
+        <a:font script="Mlym" typeface="Kartika"/>
+        <a:font script="Laoo" typeface="DokChampa"/>
+        <a:font script="Sinh" typeface="Iskoola Pota"/>
+        <a:font script="Mong" typeface="Mongolian Baiti"/>
+        <a:font script="Viet" typeface="Arial"/>
+        <a:font script="Uigh" typeface="Microsoft Uighur"/>
+        <a:font script="Geor" typeface="Sylfaen"/>
+      </a:minorFont>
+    </a:fontScheme>
+    <a:fmtScheme name="Office">
+      <a:fillStyleLst>
+        <a:solidFill>
+          <a:schemeClr val="phClr"/>
+        </a:solidFill>
+        <a:gradFill rotWithShape="1">
+          <a:gsLst>
+            <a:gs pos="0">
+              <a:schemeClr val="phClr">
+                <a:lumMod val="110000"/>
+                <a:satMod val="105000"/>
+                <a:tint val="67000"/>
+              </a:schemeClr>
+            </a:gs>
+            <a:gs pos="50000">
+              <a:schemeClr val="phClr">
+                <a:lumMod val="105000"/>
+                <a:satMod val="103000"/>
+                <a:tint val="73000"/>
+              </a:schemeClr>
+            </a:gs>
+            <a:gs pos="100000">
+              <a:schemeClr val="phClr">
+                <a:lumMod val="105000"/>
+                <a:satMod val="109000"/>
+                <a:tint val="81000"/>
+              </a:schemeClr>
+            </a:gs>
+          </a:gsLst>
+          <a:lin ang="5400000" scaled="0"/>
+        </a:gradFill>
+        <a:gradFill rotWithShape="1">
+          <a:gsLst>
+            <a:gs pos="0">
+              <a:schemeClr val="phClr">
+                <a:satMod val="103000"/>
+                <a:lumMod val="102000"/>
+                <a:tint val="94000"/>
+              </a:schemeClr>
+            </a:gs>
+            <a:gs pos="50000">
+              <a:schemeClr val="phClr">
+                <a:satMod val="110000"/>
+                <a:lumMod val="100000"/>
+                <a:shade val="100000"/>
+              </a:schemeClr>
+            </a:gs>
+            <a:gs pos="100000">
+              <a:schemeClr val="phClr">
+                <a:lumMod val="99000"/>
+                <a:satMod val="120000"/>
+                <a:shade val="78000"/>
+              </a:schemeClr>
+            </a:gs>
+          </a:gsLst>
+          <a:lin ang="5400000" scaled="0"/>
+        </a:gradFill>
+      </a:fillStyleLst>
+      <a:lnStyleLst>
+        <a:ln w="6350" cap="flat" cmpd="sng" algn="ctr">
+          <a:solidFill>
+            <a:schemeClr val="phClr"/>
+          </a:solidFill>
+          <a:prstDash val="solid"/>
+          <a:miter lim="800000"/>
+        </a:ln>
+        <a:ln w="12700" cap="flat" cmpd="sng" algn="ctr">
+          <a:solidFill>
+            <a:schemeClr val="phClr"/>
+          </a:solidFill>
+          <a:prstDash val="solid"/>
+          <a:miter lim="800000"/>
+        </a:ln>
+        <a:ln w="19050" cap="flat" cmpd="sng" algn="ctr">
+          <a:solidFill>
+            <a:schemeClr val="phClr"/>
+          </a:solidFill>
+          <a:prstDash val="solid"/>
+          <a:miter lim="800000"/>
+        </a:ln>
+      </a:lnStyleLst>
+      <a:effectStyleLst>
+        <a:effectStyle>
+          <a:effectLst/>
+        </a:effectStyle>
+        <a:effectStyle>
+          <a:effectLst/>
+        </a:effectStyle>
+        <a:effectStyle>
+          <a:effectLst>
+            <a:outerShdw blurRad="57150" dist="19050" dir="5400000" algn="ctr" rotWithShape="0">
+              <a:srgbClr val="000000">
+                <a:alpha val="63000"/>
+              </a:srgbClr>
+            </a:outerShdw>
+          </a:effectLst>
+        </a:effectStyle>
+      </a:effectStyleLst>
+      <a:bgFillStyleLst>
+        <a:solidFill>
+          <a:schemeClr val="phClr"/>
+        </a:solidFill>
+        <a:solidFill>
+          <a:schemeClr val="phClr">
+            <a:tint val="95000"/>
+            <a:satMod val="170000"/>
+          </a:schemeClr>
+        </a:solidFill>
+        <a:gradFill rotWithShape="1">
+          <a:gsLst>
+            <a:gs pos="0">
+              <a:schemeClr val="phClr">
+                <a:tint val="93000"/>
+                <a:satMod val="150000"/>
+                <a:shade val="98000"/>
+                <a:lumMod val="102000"/>
+              </a:schemeClr>
+            </a:gs>
+            <a:gs pos="50000">
+              <a:schemeClr val="phClr">
+                <a:tint val="98000"/>
+                <a:satMod val="130000"/>
+                <a:shade val="90000"/>
+                <a:lumMod val="103000"/>
+              </a:schemeClr>
+            </a:gs>
+            <a:gs pos="100000">
+              <a:schemeClr val="phClr">
+                <a:shade val="63000"/>
+                <a:satMod val="120000"/>
+              </a:schemeClr>
+            </a:gs>
+          </a:gsLst>
+          <a:lin ang="5400000" scaled="0"/>
+        </a:gradFill>
+      </a:bgFillStyleLst>
+    </a:fmtScheme>
+  </a:themeElements>
+  <a:objectDefaults/>
+  <a:extraClrSchemeLst/>
+  <a:extLst>
+    <a:ext uri="{05A4C25C-085E-4340-85A3-A5531E510DB2}">
+      <thm15:themeFamily xmlns:thm15="http://schemas.microsoft.com/office/thememl/2012/main" name="Office Theme" id="{62F939B6-93AF-4DB8-9C6B-D6C7DFDC589F}" vid="{4A3C46E8-61CC-4603-A589-7422A47A8E4A}"/>
+    </a:ext>
+  </a:extLst>
+</a:theme>
 </file>
 
-<file path=customXml/item2.xml><?xml version="1.0" encoding="utf-8"?>
+<file path=customXml/item1.xml><?xml version="1.0" encoding="utf-8"?>
 <p:properties xmlns:p="http://schemas.microsoft.com/office/2006/metadata/properties" xmlns:xsi="http://www.w3.org/2001/XMLSchema-instance" xmlns:pc="http://schemas.microsoft.com/office/infopath/2007/PartnerControls">
   <documentManagement/>
 </p:properties>
 </file>
 
-<file path=customXml/item3.xml><?xml version="1.0" encoding="utf-8"?>
+<file path=customXml/item2.xml><?xml version="1.0" encoding="utf-8"?>
 <ct:contentTypeSchema xmlns:ct="http://schemas.microsoft.com/office/2006/metadata/contentType" xmlns:ma="http://schemas.microsoft.com/office/2006/metadata/properties/metaAttributes" ct:_="" ma:_="" ma:contentTypeName="Dokumentum" ma:contentTypeID="0x010100AC862C676857C24E8FC2D32B30708833" ma:contentTypeVersion="2" ma:contentTypeDescription="Új dokumentum létrehozása." ma:contentTypeScope="" ma:versionID="0d2981163f66270cf1daba8c3c407cc5">
   <xsd:schema xmlns:xsd="http://www.w3.org/2001/XMLSchema" xmlns:xs="http://www.w3.org/2001/XMLSchema" xmlns:p="http://schemas.microsoft.com/office/2006/metadata/properties" xmlns:ns2="9a324a02-be43-499b-8089-7896e70993e7" targetNamespace="http://schemas.microsoft.com/office/2006/metadata/properties" ma:root="true" ma:fieldsID="4ce273e9ed9981a51826152e27a7d1ee" ns2:_="">
     <xsd:import namespace="9a324a02-be43-499b-8089-7896e70993e7"/>
@@ -5677,15 +7767,16 @@
 </ct:contentTypeSchema>
 </file>
 
-<file path=customXml/itemProps1.xml><?xml version="1.0" encoding="utf-8"?>
-<ds:datastoreItem xmlns:ds="http://schemas.openxmlformats.org/officeDocument/2006/customXml" ds:itemID="{166AD069-051C-46FD-A0CD-BDE143FEA57D}">
-  <ds:schemaRefs>
-    <ds:schemaRef ds:uri="http://schemas.microsoft.com/sharepoint/v3/contenttype/forms"/>
-  </ds:schemaRefs>
-</ds:datastoreItem>
+<file path=customXml/item3.xml><?xml version="1.0" encoding="utf-8"?>
+<?mso-contentType ?>
+<FormTemplates xmlns="http://schemas.microsoft.com/sharepoint/v3/contenttype/forms">
+  <Display>DocumentLibraryForm</Display>
+  <Edit>DocumentLibraryForm</Edit>
+  <New>DocumentLibraryForm</New>
+</FormTemplates>
 </file>
 
-<file path=customXml/itemProps2.xml><?xml version="1.0" encoding="utf-8"?>
+<file path=customXml/itemProps1.xml><?xml version="1.0" encoding="utf-8"?>
 <ds:datastoreItem xmlns:ds="http://schemas.openxmlformats.org/officeDocument/2006/customXml" ds:itemID="{8E1455B4-EFFE-4AEE-ADC2-FE51D16F6234}">
   <ds:schemaRefs>
     <ds:schemaRef ds:uri="http://schemas.microsoft.com/office/2006/metadata/properties"/>
@@ -5694,7 +7785,7 @@
 </ds:datastoreItem>
 </file>
 
-<file path=customXml/itemProps3.xml><?xml version="1.0" encoding="utf-8"?>
+<file path=customXml/itemProps2.xml><?xml version="1.0" encoding="utf-8"?>
 <ds:datastoreItem xmlns:ds="http://schemas.openxmlformats.org/officeDocument/2006/customXml" ds:itemID="{37D0467E-9D91-4319-91FD-90E168EBF15D}">
   <ds:schemaRefs>
     <ds:schemaRef ds:uri="http://schemas.microsoft.com/office/2006/metadata/contentType"/>
@@ -5710,4 +7801,12 @@
     <ds:schemaRef ds:uri="http://schemas.microsoft.com/internal/obd"/>
   </ds:schemaRefs>
 </ds:datastoreItem>
+</file>
+
+<file path=customXml/itemProps3.xml><?xml version="1.0" encoding="utf-8"?>
+<ds:datastoreItem xmlns:ds="http://schemas.openxmlformats.org/officeDocument/2006/customXml" ds:itemID="{166AD069-051C-46FD-A0CD-BDE143FEA57D}">
+  <ds:schemaRefs>
+    <ds:schemaRef ds:uri="http://schemas.microsoft.com/sharepoint/v3/contenttype/forms"/>
+  </ds:schemaRefs>
+</ds:datastoreItem>
 </file>
--- a/presentations/band/Barocsi_Norbert/prezi_JAVA_EE_barocsi_norbert.pptx
+++ b/presentations/band/Barocsi_Norbert/prezi_JAVA_EE_barocsi_norbert.pptx
@@ -215,7 +215,7 @@
           <a:p>
             <a:fld id="{C2192918-31FB-4242-8434-38FEC411578C}" type="datetimeFigureOut">
               <a:rPr lang="hu-HU" smtClean="0"/>
-              <a:t>2016. 10. 04.</a:t>
+              <a:t>2016. 10. 06.</a:t>
             </a:fld>
             <a:endParaRPr lang="hu-HU"/>
           </a:p>
@@ -527,57 +527,21 @@
           <a:bodyPr/>
           <a:lstStyle/>
           <a:p>
-            <a:pPr marL="171450" indent="-171450">
-              <a:buFontTx/>
-              <a:buChar char="-"/>
-            </a:pPr>
             <a:r>
               <a:rPr lang="hu-HU" dirty="0" smtClean="0"/>
-              <a:t>Főbb feladataim közé tartozott a zenekarok és tagjainak regisztrálása adatbázis és webes oldalon egyaránt.</a:t>
-            </a:r>
-          </a:p>
-          <a:p>
-            <a:pPr marL="171450" indent="-171450">
-              <a:buFontTx/>
-              <a:buChar char="-"/>
-            </a:pPr>
-            <a:r>
-              <a:rPr lang="hu-HU" dirty="0" smtClean="0"/>
-              <a:t>Sikeres regisztráció után a zenekarhoz tartozóan létrejött egy publikus profil.</a:t>
-            </a:r>
-          </a:p>
-          <a:p>
-            <a:pPr marL="171450" indent="-171450">
-              <a:buFontTx/>
-              <a:buChar char="-"/>
-            </a:pPr>
-            <a:r>
-              <a:rPr lang="hu-HU" dirty="0" smtClean="0"/>
-              <a:t>Ugyanitt lehetőség van a zenekarhoz tartozó adatokat módosítani, szerkeszteni</a:t>
+              <a:t>- Jó estét kívánok</a:t>
             </a:r>
             <a:r>
               <a:rPr lang="hu-HU" baseline="0" dirty="0" smtClean="0"/>
-              <a:t> és </a:t>
-            </a:r>
-            <a:r>
-              <a:rPr lang="hu-HU" dirty="0" smtClean="0"/>
-              <a:t>törölni.</a:t>
-            </a:r>
-          </a:p>
-          <a:p>
-            <a:pPr marL="171450" indent="-171450">
-              <a:buFontTx/>
-              <a:buChar char="-"/>
-            </a:pPr>
-            <a:r>
-              <a:rPr lang="hu-HU" dirty="0" smtClean="0"/>
-              <a:t>Az adminisztrátori oldal kialakítását es működését is én hoztam létre, ahol lehetőség van letiltani a publikus</a:t>
-            </a:r>
+              <a:t>! Barócsi Norbertnek hívnak, a Debreceni Egyetem gazdaságinformatikus hallgatója vagyok.</a:t>
+            </a:r>
+          </a:p>
+          <a:p>
             <a:r>
               <a:rPr lang="hu-HU" baseline="0" dirty="0" smtClean="0"/>
-              <a:t> profilokat.</a:t>
-            </a:r>
-            <a:endParaRPr lang="hu-HU" dirty="0" smtClean="0"/>
+              <a:t>- Projekt munka során a Zenekar csapat tagja voltam.</a:t>
+            </a:r>
+            <a:endParaRPr lang="hu-HU" dirty="0"/>
           </a:p>
         </p:txBody>
       </p:sp>
@@ -598,7 +562,7 @@
           <a:p>
             <a:fld id="{79AF87FC-FC27-4A39-B641-F3CA6D772F66}" type="slidenum">
               <a:rPr lang="hu-HU" smtClean="0"/>
-              <a:t>3</a:t>
+              <a:t>2</a:t>
             </a:fld>
             <a:endParaRPr lang="hu-HU"/>
           </a:p>
@@ -607,7 +571,7 @@
     </p:spTree>
     <p:extLst>
       <p:ext uri="{BB962C8B-B14F-4D97-AF65-F5344CB8AC3E}">
-        <p14:creationId xmlns:p14="http://schemas.microsoft.com/office/powerpoint/2010/main" val="93331048"/>
+        <p14:creationId xmlns:p14="http://schemas.microsoft.com/office/powerpoint/2010/main" val="173540333"/>
       </p:ext>
     </p:extLst>
   </p:cSld>
@@ -667,168 +631,59 @@
             </a:pPr>
             <a:r>
               <a:rPr lang="hu-HU" dirty="0" smtClean="0"/>
-              <a:t>A</a:t>
-            </a:r>
-            <a:r>
-              <a:rPr lang="hu-HU" baseline="0" dirty="0" smtClean="0"/>
-              <a:t> három külön álló projekt </a:t>
-            </a:r>
-            <a:r>
-              <a:rPr lang="hu-HU" baseline="0" dirty="0" err="1" smtClean="0"/>
-              <a:t>Remote</a:t>
-            </a:r>
-            <a:r>
-              <a:rPr lang="hu-HU" baseline="0" dirty="0" smtClean="0"/>
-              <a:t> </a:t>
-            </a:r>
-            <a:r>
-              <a:rPr lang="hu-HU" baseline="0" dirty="0" err="1" smtClean="0"/>
-              <a:t>Interface-n</a:t>
-            </a:r>
-            <a:r>
-              <a:rPr lang="hu-HU" baseline="0" dirty="0" smtClean="0"/>
-              <a:t> keresztül kommunikál. Ezt a feladatot én kaptam meg.</a:t>
-            </a:r>
-          </a:p>
-          <a:p>
-            <a:pPr marL="171450" marR="0" lvl="0" indent="-171450" algn="l" defTabSz="914400" rtl="0" eaLnBrk="1" fontAlgn="auto" latinLnBrk="0" hangingPunct="1">
-              <a:lnSpc>
-                <a:spcPct val="100000"/>
-              </a:lnSpc>
-              <a:spcBef>
-                <a:spcPts val="0"/>
-              </a:spcBef>
-              <a:spcAft>
-                <a:spcPts val="0"/>
-              </a:spcAft>
-              <a:buClrTx/>
-              <a:buSzTx/>
-              <a:buFontTx/>
-              <a:buChar char="-"/>
-              <a:tabLst/>
-              <a:defRPr/>
-            </a:pPr>
-            <a:r>
-              <a:rPr lang="hu-HU" b="0" dirty="0" smtClean="0">
-                <a:effectLst/>
-              </a:rPr>
-              <a:t>I18n más szóval honosítás</a:t>
-            </a:r>
-            <a:r>
-              <a:rPr lang="hu-HU" b="0" baseline="0" dirty="0" smtClean="0">
-                <a:effectLst/>
-              </a:rPr>
-              <a:t> vagy több nyelvűség. Ezen a feladaton mindenki egységesen dolgozott.</a:t>
-            </a:r>
-            <a:endParaRPr lang="hu-HU" b="0" baseline="0" dirty="0" smtClean="0">
-              <a:effectLst/>
-            </a:endParaRPr>
-          </a:p>
-          <a:p>
-            <a:pPr marL="171450" marR="0" lvl="0" indent="-171450" algn="l" defTabSz="914400" rtl="0" eaLnBrk="1" fontAlgn="auto" latinLnBrk="0" hangingPunct="1">
-              <a:lnSpc>
-                <a:spcPct val="100000"/>
-              </a:lnSpc>
-              <a:spcBef>
-                <a:spcPts val="0"/>
-              </a:spcBef>
-              <a:spcAft>
-                <a:spcPts val="0"/>
-              </a:spcAft>
-              <a:buClrTx/>
-              <a:buSzTx/>
-              <a:buFontTx/>
-              <a:buChar char="-"/>
-              <a:tabLst/>
-              <a:defRPr/>
-            </a:pPr>
-            <a:r>
-              <a:rPr lang="hu-HU" b="0" baseline="0" dirty="0" smtClean="0">
-                <a:effectLst/>
-              </a:rPr>
-              <a:t>Jobb design a csapatban mindenkinek a feladata volt, miután működésre bírtuk a különböző funkciókat megpróbáltunk egy felhasználó </a:t>
-            </a:r>
-            <a:r>
-              <a:rPr lang="hu-HU" b="0" baseline="0" dirty="0" err="1" smtClean="0">
-                <a:effectLst/>
-              </a:rPr>
-              <a:t>barátabb</a:t>
-            </a:r>
-            <a:r>
-              <a:rPr lang="hu-HU" b="0" baseline="0" dirty="0" smtClean="0">
-                <a:effectLst/>
-              </a:rPr>
-              <a:t> külsőt csinálni az oldalaknak.</a:t>
-            </a:r>
-          </a:p>
-          <a:p>
-            <a:pPr marL="171450" marR="0" lvl="0" indent="-171450" algn="l" defTabSz="914400" rtl="0" eaLnBrk="1" fontAlgn="auto" latinLnBrk="0" hangingPunct="1">
-              <a:lnSpc>
-                <a:spcPct val="100000"/>
-              </a:lnSpc>
-              <a:spcBef>
-                <a:spcPts val="0"/>
-              </a:spcBef>
-              <a:spcAft>
-                <a:spcPts val="0"/>
-              </a:spcAft>
-              <a:buClrTx/>
-              <a:buSzTx/>
-              <a:buFontTx/>
-              <a:buChar char="-"/>
-              <a:tabLst/>
-              <a:defRPr/>
-            </a:pPr>
-            <a:r>
-              <a:rPr lang="hu-HU" b="0" baseline="0" dirty="0" smtClean="0">
-                <a:effectLst/>
-              </a:rPr>
-              <a:t>Projekt átgyúrása az én feladatom volt, párszor ütköztünk olyan problémába, amit csak a projekt struktúra átgyúrásával tudtam megoldani.</a:t>
-            </a:r>
-          </a:p>
-          <a:p>
-            <a:pPr marL="171450" marR="0" lvl="0" indent="-171450" algn="l" defTabSz="914400" rtl="0" eaLnBrk="1" fontAlgn="auto" latinLnBrk="0" hangingPunct="1">
-              <a:lnSpc>
-                <a:spcPct val="100000"/>
-              </a:lnSpc>
-              <a:spcBef>
-                <a:spcPts val="0"/>
-              </a:spcBef>
-              <a:spcAft>
-                <a:spcPts val="0"/>
-              </a:spcAft>
-              <a:buClrTx/>
-              <a:buSzTx/>
-              <a:buFontTx/>
-              <a:buChar char="-"/>
-              <a:tabLst/>
-              <a:defRPr/>
-            </a:pPr>
-            <a:r>
-              <a:rPr lang="hu-HU" b="0" baseline="0" dirty="0" smtClean="0">
-                <a:effectLst/>
-              </a:rPr>
-              <a:t>Fejlesztés kezdetétől fogva próbáltam a saját kódomat úgy módosítani, hogy az olvashatóbb és optimalizáltabb legyen.</a:t>
-            </a:r>
-            <a:endParaRPr lang="hu-HU" b="0" dirty="0" smtClean="0">
-              <a:effectLst/>
-            </a:endParaRPr>
+              <a:t>Főbb feladataim közé tartozott a zenekarok és tagjainak regisztrálása adatbázis és webes oldalon egyaránt.</a:t>
+            </a:r>
           </a:p>
           <a:p>
             <a:pPr marL="171450" indent="-171450">
               <a:buFontTx/>
               <a:buChar char="-"/>
             </a:pPr>
-            <a:endParaRPr lang="hu-HU" b="0" dirty="0" smtClean="0">
-              <a:effectLst/>
-            </a:endParaRPr>
+            <a:r>
+              <a:rPr lang="hu-HU" dirty="0" smtClean="0"/>
+              <a:t>Sikeres regisztráció után a zenekarhoz tartozóan létrejött egy publikus profil.</a:t>
+            </a:r>
           </a:p>
           <a:p>
             <a:pPr marL="171450" indent="-171450">
               <a:buFontTx/>
               <a:buChar char="-"/>
             </a:pPr>
-            <a:endParaRPr lang="hu-HU" baseline="0" dirty="0" smtClean="0"/>
+            <a:r>
+              <a:rPr lang="hu-HU" dirty="0" smtClean="0"/>
+              <a:t>Ugyanitt lehetőség van a zenekarhoz tartozó adatokat módosítani, szerkeszteni</a:t>
+            </a:r>
+            <a:r>
+              <a:rPr lang="hu-HU" baseline="0" dirty="0" smtClean="0"/>
+              <a:t> és </a:t>
+            </a:r>
+            <a:r>
+              <a:rPr lang="hu-HU" dirty="0" smtClean="0"/>
+              <a:t>törölni.</a:t>
+            </a:r>
+          </a:p>
+          <a:p>
+            <a:pPr marL="171450" indent="-171450">
+              <a:buFontTx/>
+              <a:buChar char="-"/>
+            </a:pPr>
+            <a:r>
+              <a:rPr lang="hu-HU" dirty="0" smtClean="0"/>
+              <a:t>Az adminisztrátori oldal kialakítását </a:t>
+            </a:r>
+            <a:r>
+              <a:rPr lang="hu-HU" dirty="0" smtClean="0"/>
+              <a:t>és </a:t>
+            </a:r>
+            <a:r>
+              <a:rPr lang="hu-HU" dirty="0" smtClean="0"/>
+              <a:t>működését is én hoztam létre, ahol lehetőség van letiltani a publikus</a:t>
+            </a:r>
+            <a:r>
+              <a:rPr lang="hu-HU" baseline="0" dirty="0" smtClean="0"/>
+              <a:t> profilokat.</a:t>
+            </a:r>
+            <a:endParaRPr lang="hu-HU" dirty="0" smtClean="0"/>
           </a:p>
         </p:txBody>
       </p:sp>
@@ -849,7 +704,7 @@
           <a:p>
             <a:fld id="{79AF87FC-FC27-4A39-B641-F3CA6D772F66}" type="slidenum">
               <a:rPr lang="hu-HU" smtClean="0"/>
-              <a:t>4</a:t>
+              <a:t>3</a:t>
             </a:fld>
             <a:endParaRPr lang="hu-HU"/>
           </a:p>
@@ -858,7 +713,7 @@
     </p:spTree>
     <p:extLst>
       <p:ext uri="{BB962C8B-B14F-4D97-AF65-F5344CB8AC3E}">
-        <p14:creationId xmlns:p14="http://schemas.microsoft.com/office/powerpoint/2010/main" val="4235356512"/>
+        <p14:creationId xmlns:p14="http://schemas.microsoft.com/office/powerpoint/2010/main" val="93331048"/>
       </p:ext>
     </p:extLst>
   </p:cSld>
@@ -918,35 +773,131 @@
             </a:pPr>
             <a:r>
               <a:rPr lang="hu-HU" dirty="0" smtClean="0"/>
-              <a:t>Számomra újdonságnak számított a </a:t>
-            </a:r>
-            <a:r>
-              <a:rPr lang="hu-HU" dirty="0" smtClean="0"/>
-              <a:t>csapatmunka</a:t>
+              <a:t>A</a:t>
             </a:r>
             <a:r>
               <a:rPr lang="hu-HU" baseline="0" dirty="0" smtClean="0"/>
-              <a:t> és </a:t>
+              <a:t> három külön álló projekt </a:t>
+            </a:r>
+            <a:r>
+              <a:rPr lang="hu-HU" baseline="0" dirty="0" err="1" smtClean="0"/>
+              <a:t>Remote</a:t>
             </a:r>
             <a:r>
               <a:rPr lang="hu-HU" baseline="0" dirty="0" smtClean="0"/>
-              <a:t>a csapatvezetőnk által kiadott feladatok szervezettsége. Ezt a két dolgot egyesítve sikerült folytonos munkára bírni csapatunkat.</a:t>
-            </a:r>
+              <a:t> </a:t>
+            </a:r>
+            <a:r>
+              <a:rPr lang="hu-HU" baseline="0" dirty="0" err="1" smtClean="0"/>
+              <a:t>Interface-n</a:t>
+            </a:r>
+            <a:r>
+              <a:rPr lang="hu-HU" baseline="0" dirty="0" smtClean="0"/>
+              <a:t> keresztül kommunikál. Ezt a feladatot én valósítottam meg.</a:t>
+            </a:r>
+          </a:p>
+          <a:p>
+            <a:pPr marL="171450" marR="0" lvl="0" indent="-171450" algn="l" defTabSz="914400" rtl="0" eaLnBrk="1" fontAlgn="auto" latinLnBrk="0" hangingPunct="1">
+              <a:lnSpc>
+                <a:spcPct val="100000"/>
+              </a:lnSpc>
+              <a:spcBef>
+                <a:spcPts val="0"/>
+              </a:spcBef>
+              <a:spcAft>
+                <a:spcPts val="0"/>
+              </a:spcAft>
+              <a:buClrTx/>
+              <a:buSzTx/>
+              <a:buFontTx/>
+              <a:buChar char="-"/>
+              <a:tabLst/>
+              <a:defRPr/>
+            </a:pPr>
+            <a:r>
+              <a:rPr lang="hu-HU" b="0" dirty="0" smtClean="0">
+                <a:effectLst/>
+              </a:rPr>
+              <a:t>i18n más szóval honosítás</a:t>
+            </a:r>
+            <a:r>
+              <a:rPr lang="hu-HU" b="0" baseline="0" dirty="0" smtClean="0">
+                <a:effectLst/>
+              </a:rPr>
+              <a:t> vagy több nyelvűség, valamint a jobb design kialakítása, egy felhasználó </a:t>
+            </a:r>
+            <a:r>
+              <a:rPr lang="hu-HU" b="0" baseline="0" dirty="0" err="1" smtClean="0">
+                <a:effectLst/>
+              </a:rPr>
+              <a:t>barátabb</a:t>
+            </a:r>
+            <a:r>
+              <a:rPr lang="hu-HU" b="0" baseline="0" dirty="0" smtClean="0">
+                <a:effectLst/>
+              </a:rPr>
+              <a:t> külső létrehozása közös feladata volt a csapatnak. </a:t>
+            </a:r>
+          </a:p>
+          <a:p>
+            <a:pPr marL="171450" marR="0" lvl="0" indent="-171450" algn="l" defTabSz="914400" rtl="0" eaLnBrk="1" fontAlgn="auto" latinLnBrk="0" hangingPunct="1">
+              <a:lnSpc>
+                <a:spcPct val="100000"/>
+              </a:lnSpc>
+              <a:spcBef>
+                <a:spcPts val="0"/>
+              </a:spcBef>
+              <a:spcAft>
+                <a:spcPts val="0"/>
+              </a:spcAft>
+              <a:buClrTx/>
+              <a:buSzTx/>
+              <a:buFontTx/>
+              <a:buChar char="-"/>
+              <a:tabLst/>
+              <a:defRPr/>
+            </a:pPr>
+            <a:r>
+              <a:rPr lang="hu-HU" b="0" baseline="0" dirty="0" smtClean="0">
+                <a:effectLst/>
+              </a:rPr>
+              <a:t>Projekt átgyúrásával is én foglalkoztam, párszor ütköztünk olyan problémába, amit csak a projekt struktúra átgyúrásával lehetett megoldani</a:t>
+            </a:r>
+          </a:p>
+          <a:p>
+            <a:pPr marL="171450" marR="0" lvl="0" indent="-171450" algn="l" defTabSz="914400" rtl="0" eaLnBrk="1" fontAlgn="auto" latinLnBrk="0" hangingPunct="1">
+              <a:lnSpc>
+                <a:spcPct val="100000"/>
+              </a:lnSpc>
+              <a:spcBef>
+                <a:spcPts val="0"/>
+              </a:spcBef>
+              <a:spcAft>
+                <a:spcPts val="0"/>
+              </a:spcAft>
+              <a:buClrTx/>
+              <a:buSzTx/>
+              <a:buFontTx/>
+              <a:buChar char="-"/>
+              <a:tabLst/>
+              <a:defRPr/>
+            </a:pPr>
+            <a:r>
+              <a:rPr lang="hu-HU" b="0" baseline="0" dirty="0" smtClean="0">
+                <a:effectLst/>
+              </a:rPr>
+              <a:t>Fejlesztés kezdetétől fogva próbáltam a saját kódomat úgy módosítani, hogy az olvashatóbb és optimalizáltabb legyen.</a:t>
+            </a:r>
+            <a:endParaRPr lang="hu-HU" b="0" dirty="0" smtClean="0">
+              <a:effectLst/>
+            </a:endParaRPr>
           </a:p>
           <a:p>
             <a:pPr marL="171450" indent="-171450">
               <a:buFontTx/>
               <a:buChar char="-"/>
             </a:pPr>
-            <a:r>
-              <a:rPr lang="hu-HU" dirty="0" smtClean="0"/>
-              <a:t>Új technológiákat</a:t>
-            </a:r>
-            <a:r>
-              <a:rPr lang="hu-HU" baseline="0" dirty="0" smtClean="0"/>
-              <a:t> a fejlesztés során akarva akaratlanul is elsajátítottuk, ami számomra nagyon izgalmas és tanulságos volt.</a:t>
-            </a:r>
-            <a:endParaRPr lang="hu-HU" dirty="0"/>
+            <a:endParaRPr lang="hu-HU" baseline="0" dirty="0" smtClean="0"/>
           </a:p>
         </p:txBody>
       </p:sp>
@@ -967,7 +918,7 @@
           <a:p>
             <a:fld id="{79AF87FC-FC27-4A39-B641-F3CA6D772F66}" type="slidenum">
               <a:rPr lang="hu-HU" smtClean="0"/>
-              <a:t>5</a:t>
+              <a:t>4</a:t>
             </a:fld>
             <a:endParaRPr lang="hu-HU"/>
           </a:p>
@@ -976,7 +927,7 @@
     </p:spTree>
     <p:extLst>
       <p:ext uri="{BB962C8B-B14F-4D97-AF65-F5344CB8AC3E}">
-        <p14:creationId xmlns:p14="http://schemas.microsoft.com/office/powerpoint/2010/main" val="1621215192"/>
+        <p14:creationId xmlns:p14="http://schemas.microsoft.com/office/powerpoint/2010/main" val="4235356512"/>
       </p:ext>
     </p:extLst>
   </p:cSld>
@@ -1035,16 +986,12 @@
               <a:buChar char="-"/>
             </a:pPr>
             <a:r>
+              <a:rPr lang="hu-HU" dirty="0" smtClean="0"/>
+              <a:t>Számomra újdonságnak számított a csapatmunka</a:t>
+            </a:r>
+            <a:r>
               <a:rPr lang="hu-HU" baseline="0" dirty="0" smtClean="0"/>
-              <a:t>Első nagyobb hiba a fejlesztés elején jött elő, a Web-es réteg nem tudott kommunikálni az Adatbázissal. Pár óra próbálgatás és log olvasás után rájöttem, hogy a Szolgáltatás rétegben van a hiba, ami konkrétan hidat képez az Adatbázis és a Web-es réteg között. Megoldás pedig az volt, hogy a Szolgáltatás réteget és a </a:t>
-            </a:r>
-            <a:r>
-              <a:rPr lang="hu-HU" baseline="0" dirty="0" smtClean="0"/>
-              <a:t>Szolgáltatás megvalósítását két </a:t>
-            </a:r>
-            <a:r>
-              <a:rPr lang="hu-HU" baseline="0" dirty="0" smtClean="0"/>
-              <a:t>külön álló modulba pakoltam. Így életet leheltem a kommunikációba.</a:t>
+              <a:t> és a csapatvezetőnk által kiadott feladatok szervezettsége. Ezt a két dolgot egyesítve sikerült folytonos munkára bírni csapatunkat.</a:t>
             </a:r>
           </a:p>
           <a:p>
@@ -1052,52 +999,15 @@
               <a:buFontTx/>
               <a:buChar char="-"/>
             </a:pPr>
-            <a:endParaRPr lang="hu-HU" baseline="0" dirty="0" smtClean="0"/>
-          </a:p>
-          <a:p>
-            <a:pPr marL="171450" marR="0" indent="-171450" algn="l" defTabSz="914400" rtl="0" eaLnBrk="1" fontAlgn="auto" latinLnBrk="0" hangingPunct="1">
-              <a:lnSpc>
-                <a:spcPct val="100000"/>
-              </a:lnSpc>
-              <a:spcBef>
-                <a:spcPts val="0"/>
-              </a:spcBef>
-              <a:spcAft>
-                <a:spcPts val="0"/>
-              </a:spcAft>
-              <a:buClrTx/>
-              <a:buSzTx/>
-              <a:buFontTx/>
-              <a:buChar char="-"/>
-              <a:tabLst/>
-              <a:defRPr/>
-            </a:pPr>
+            <a:r>
+              <a:rPr lang="hu-HU" dirty="0" smtClean="0"/>
+              <a:t>Új technológiákat</a:t>
+            </a:r>
             <a:r>
               <a:rPr lang="hu-HU" baseline="0" dirty="0" smtClean="0"/>
-              <a:t>Második nagyobb hiba a fejlesztés közepe fele jött elő, Adatbázisban lévő egy zenekarhoz tartozó adatok megjelenítése a publikus profilon nem úgy működött, ahogy szerettük volna. Jó pár sikertelen próbálkozás után </a:t>
-            </a:r>
-            <a:r>
-              <a:rPr lang="hu-HU" baseline="0" dirty="0" smtClean="0"/>
-              <a:t>csapatvezetőnkhöz fordultam segítségért. Kaptam tőle egy ötletet, ami a megoldás is volt egyben. Ezt </a:t>
-            </a:r>
-            <a:r>
-              <a:rPr lang="hu-HU" baseline="0" dirty="0" smtClean="0"/>
-              <a:t>az ötletet úgy tudtam megvalósítani, hogy a Web-es réteget és a Szolgáltatás réteget átalakítottam. Ezután sikeresen működött minden funkció a publikus profilon.</a:t>
-            </a:r>
-          </a:p>
-          <a:p>
-            <a:pPr marL="0" indent="0">
-              <a:buFontTx/>
-              <a:buNone/>
-            </a:pPr>
-            <a:r>
-              <a:rPr lang="hu-HU" baseline="0" dirty="0" smtClean="0"/>
-              <a:t/>
-            </a:r>
-            <a:br>
-              <a:rPr lang="hu-HU" baseline="0" dirty="0" smtClean="0"/>
-            </a:br>
-            <a:endParaRPr lang="hu-HU" baseline="0" dirty="0" smtClean="0"/>
+              <a:t> a fejlesztés során akarva akaratlanul is elsajátítottuk, ami számomra nagyon izgalmas és tanulságos volt.</a:t>
+            </a:r>
+            <a:endParaRPr lang="hu-HU" dirty="0"/>
           </a:p>
         </p:txBody>
       </p:sp>
@@ -1118,7 +1028,7 @@
           <a:p>
             <a:fld id="{79AF87FC-FC27-4A39-B641-F3CA6D772F66}" type="slidenum">
               <a:rPr lang="hu-HU" smtClean="0"/>
-              <a:t>6</a:t>
+              <a:t>5</a:t>
             </a:fld>
             <a:endParaRPr lang="hu-HU"/>
           </a:p>
@@ -1127,7 +1037,7 @@
     </p:spTree>
     <p:extLst>
       <p:ext uri="{BB962C8B-B14F-4D97-AF65-F5344CB8AC3E}">
-        <p14:creationId xmlns:p14="http://schemas.microsoft.com/office/powerpoint/2010/main" val="1323003016"/>
+        <p14:creationId xmlns:p14="http://schemas.microsoft.com/office/powerpoint/2010/main" val="1621215192"/>
       </p:ext>
     </p:extLst>
   </p:cSld>
@@ -1186,16 +1096,8 @@
               <a:buChar char="-"/>
             </a:pPr>
             <a:r>
-              <a:rPr lang="hu-HU" dirty="0" smtClean="0"/>
-              <a:t>Közös munka során </a:t>
-            </a:r>
-            <a:r>
               <a:rPr lang="hu-HU" baseline="0" dirty="0" smtClean="0"/>
-              <a:t>szembesültem </a:t>
-            </a:r>
-            <a:r>
-              <a:rPr lang="hu-HU" baseline="0" dirty="0" smtClean="0"/>
-              <a:t>azzal a ténnyel, hogy csapatban sokkal gyorsabb a fejlesztés és a gondolkodás, mint egyedül. A csapatban való munkát nagyon élveztem.</a:t>
+              <a:t>Első nagyobb hiba a fejlesztés elején jött elő, a Web-es réteg nem tudott kommunikálni az Adatbázissal. Pár óra próbálgatás és log olvasás után rájöttem, hogy a Szolgáltatás rétegben van a hiba, ami konkrétan hidat képez az Adatbázis és a Webes réteg között. Megoldás pedig az volt, hogy a Szolgáltatás réteget és a Szolgáltatás megvalósítását két külön álló modulba pakoltam. Így életet leheltem a kommunikációba.</a:t>
             </a:r>
           </a:p>
           <a:p>
@@ -1203,23 +1105,158 @@
               <a:buFontTx/>
               <a:buChar char="-"/>
             </a:pPr>
+            <a:endParaRPr lang="hu-HU" baseline="0" dirty="0" smtClean="0"/>
+          </a:p>
+          <a:p>
+            <a:pPr marL="171450" marR="0" indent="-171450" algn="l" defTabSz="914400" rtl="0" eaLnBrk="1" fontAlgn="auto" latinLnBrk="0" hangingPunct="1">
+              <a:lnSpc>
+                <a:spcPct val="100000"/>
+              </a:lnSpc>
+              <a:spcBef>
+                <a:spcPts val="0"/>
+              </a:spcBef>
+              <a:spcAft>
+                <a:spcPts val="0"/>
+              </a:spcAft>
+              <a:buClrTx/>
+              <a:buSzTx/>
+              <a:buFontTx/>
+              <a:buChar char="-"/>
+              <a:tabLst/>
+              <a:defRPr/>
+            </a:pPr>
             <a:r>
               <a:rPr lang="hu-HU" baseline="0" dirty="0" smtClean="0"/>
-              <a:t>Nagyon sok új tudást szereztem ezalatt az időszak alatt, és úgy érzem szakmailag nagyon sokat fejlődtem.</a:t>
-            </a:r>
-          </a:p>
+              <a:t>Második nagyobb hiba a fejlesztés közepe fele jött elő, Adatbázisban lévő egy zenekarhoz tartozó adatok megjelenítése a publikus profilon nem úgy működött, ahogy szerettük volna. Jó pár sikertelen próbálkozás után csapatvezetőnkhöz fordultam segítségért. Útmutatása alapján a Webes és a Szolgáltatás réteget átalakítottam, ezután sikeresen működött minden funkció a publikus profilon.</a:t>
+            </a:r>
+          </a:p>
+          <a:p>
+            <a:pPr marL="0" indent="0">
+              <a:buFontTx/>
+              <a:buNone/>
+            </a:pPr>
+            <a:r>
+              <a:rPr lang="hu-HU" baseline="0" dirty="0" smtClean="0"/>
+              <a:t/>
+            </a:r>
+            <a:br>
+              <a:rPr lang="hu-HU" baseline="0" dirty="0" smtClean="0"/>
+            </a:br>
+            <a:endParaRPr lang="hu-HU" baseline="0" dirty="0" smtClean="0"/>
+          </a:p>
+        </p:txBody>
+      </p:sp>
+      <p:sp>
+        <p:nvSpPr>
+          <p:cNvPr id="4" name="Dia számának helye 3"/>
+          <p:cNvSpPr>
+            <a:spLocks noGrp="1"/>
+          </p:cNvSpPr>
+          <p:nvPr>
+            <p:ph type="sldNum" sz="quarter" idx="10"/>
+          </p:nvPr>
+        </p:nvSpPr>
+        <p:spPr/>
+        <p:txBody>
+          <a:bodyPr/>
+          <a:lstStyle/>
+          <a:p>
+            <a:fld id="{79AF87FC-FC27-4A39-B641-F3CA6D772F66}" type="slidenum">
+              <a:rPr lang="hu-HU" smtClean="0"/>
+              <a:t>6</a:t>
+            </a:fld>
+            <a:endParaRPr lang="hu-HU"/>
+          </a:p>
+        </p:txBody>
+      </p:sp>
+    </p:spTree>
+    <p:extLst>
+      <p:ext uri="{BB962C8B-B14F-4D97-AF65-F5344CB8AC3E}">
+        <p14:creationId xmlns:p14="http://schemas.microsoft.com/office/powerpoint/2010/main" val="1323003016"/>
+      </p:ext>
+    </p:extLst>
+  </p:cSld>
+  <p:clrMapOvr>
+    <a:masterClrMapping/>
+  </p:clrMapOvr>
+</p:notes>
+</file>
+
+<file path=ppt/notesSlides/notesSlide6.xml><?xml version="1.0" encoding="utf-8"?>
+<p:notes xmlns:a="http://schemas.openxmlformats.org/drawingml/2006/main" xmlns:r="http://schemas.openxmlformats.org/officeDocument/2006/relationships" xmlns:p="http://schemas.openxmlformats.org/presentationml/2006/main">
+  <p:cSld>
+    <p:spTree>
+      <p:nvGrpSpPr>
+        <p:cNvPr id="1" name=""/>
+        <p:cNvGrpSpPr/>
+        <p:nvPr/>
+      </p:nvGrpSpPr>
+      <p:grpSpPr>
+        <a:xfrm>
+          <a:off x="0" y="0"/>
+          <a:ext cx="0" cy="0"/>
+          <a:chOff x="0" y="0"/>
+          <a:chExt cx="0" cy="0"/>
+        </a:xfrm>
+      </p:grpSpPr>
+      <p:sp>
+        <p:nvSpPr>
+          <p:cNvPr id="2" name="Diakép helye 1"/>
+          <p:cNvSpPr>
+            <a:spLocks noGrp="1" noRot="1" noChangeAspect="1"/>
+          </p:cNvSpPr>
+          <p:nvPr>
+            <p:ph type="sldImg"/>
+          </p:nvPr>
+        </p:nvSpPr>
+        <p:spPr/>
+      </p:sp>
+      <p:sp>
+        <p:nvSpPr>
+          <p:cNvPr id="3" name="Jegyzetek helye 2"/>
+          <p:cNvSpPr>
+            <a:spLocks noGrp="1"/>
+          </p:cNvSpPr>
+          <p:nvPr>
+            <p:ph type="body" idx="1"/>
+          </p:nvPr>
+        </p:nvSpPr>
+        <p:spPr/>
+        <p:txBody>
+          <a:bodyPr/>
+          <a:lstStyle/>
           <a:p>
             <a:pPr marL="171450" indent="-171450">
               <a:buFontTx/>
               <a:buChar char="-"/>
             </a:pPr>
             <a:r>
+              <a:rPr lang="hu-HU" dirty="0" smtClean="0"/>
+              <a:t>Közös munka során </a:t>
+            </a:r>
+            <a:r>
               <a:rPr lang="hu-HU" baseline="0" dirty="0" smtClean="0"/>
-              <a:t>Csapatvezetőnktől nagyon </a:t>
-            </a:r>
+              <a:t>szembesültem azzal a ténnyel, hogy csapatban sokkal gyorsabb a fejlesztés és a gondolkodás, mint egyedül. A csapatban való munkát nagyon élveztem.</a:t>
+            </a:r>
+          </a:p>
+          <a:p>
+            <a:pPr marL="171450" indent="-171450">
+              <a:buFontTx/>
+              <a:buChar char="-"/>
+            </a:pPr>
             <a:r>
               <a:rPr lang="hu-HU" baseline="0" dirty="0" smtClean="0"/>
-              <a:t>sok fejlesztési módszert tanultunk, tőle megtudhattuk, hogyan gondolkozik és dolgozik egy fejlesztő egy csapatban.</a:t>
+              <a:t>Nagyon sok új tudást szereztem ezalatt az időszak alatt, és úgy érzem szakmailag nagyon sokat fejlődtem.</a:t>
+            </a:r>
+          </a:p>
+          <a:p>
+            <a:pPr marL="171450" indent="-171450">
+              <a:buFontTx/>
+              <a:buChar char="-"/>
+            </a:pPr>
+            <a:r>
+              <a:rPr lang="hu-HU" baseline="0" dirty="0" smtClean="0"/>
+              <a:t>Csapatvezetőnktől nagyon sok fejlesztési módszert tanultunk, tőle megtudhattuk, hogyan gondolkozik és dolgozik egy fejlesztő egy csapatban.</a:t>
             </a:r>
           </a:p>
         </p:txBody>
@@ -1251,6 +1288,102 @@
     <p:extLst>
       <p:ext uri="{BB962C8B-B14F-4D97-AF65-F5344CB8AC3E}">
         <p14:creationId xmlns:p14="http://schemas.microsoft.com/office/powerpoint/2010/main" val="2351912786"/>
+      </p:ext>
+    </p:extLst>
+  </p:cSld>
+  <p:clrMapOvr>
+    <a:masterClrMapping/>
+  </p:clrMapOvr>
+</p:notes>
+</file>
+
+<file path=ppt/notesSlides/notesSlide7.xml><?xml version="1.0" encoding="utf-8"?>
+<p:notes xmlns:a="http://schemas.openxmlformats.org/drawingml/2006/main" xmlns:r="http://schemas.openxmlformats.org/officeDocument/2006/relationships" xmlns:p="http://schemas.openxmlformats.org/presentationml/2006/main">
+  <p:cSld>
+    <p:spTree>
+      <p:nvGrpSpPr>
+        <p:cNvPr id="1" name=""/>
+        <p:cNvGrpSpPr/>
+        <p:nvPr/>
+      </p:nvGrpSpPr>
+      <p:grpSpPr>
+        <a:xfrm>
+          <a:off x="0" y="0"/>
+          <a:ext cx="0" cy="0"/>
+          <a:chOff x="0" y="0"/>
+          <a:chExt cx="0" cy="0"/>
+        </a:xfrm>
+      </p:grpSpPr>
+      <p:sp>
+        <p:nvSpPr>
+          <p:cNvPr id="2" name="Diakép helye 1"/>
+          <p:cNvSpPr>
+            <a:spLocks noGrp="1" noRot="1" noChangeAspect="1"/>
+          </p:cNvSpPr>
+          <p:nvPr>
+            <p:ph type="sldImg"/>
+          </p:nvPr>
+        </p:nvSpPr>
+        <p:spPr/>
+      </p:sp>
+      <p:sp>
+        <p:nvSpPr>
+          <p:cNvPr id="3" name="Jegyzetek helye 2"/>
+          <p:cNvSpPr>
+            <a:spLocks noGrp="1"/>
+          </p:cNvSpPr>
+          <p:nvPr>
+            <p:ph type="body" idx="1"/>
+          </p:nvPr>
+        </p:nvSpPr>
+        <p:spPr/>
+        <p:txBody>
+          <a:bodyPr/>
+          <a:lstStyle/>
+          <a:p>
+            <a:r>
+              <a:rPr lang="hu-HU" dirty="0" smtClean="0"/>
+              <a:t>- Köszönöm szépen figyelmüket! További szép estét</a:t>
+            </a:r>
+            <a:r>
+              <a:rPr lang="hu-HU" baseline="0" dirty="0" smtClean="0"/>
+              <a:t> </a:t>
+            </a:r>
+            <a:r>
+              <a:rPr lang="hu-HU" baseline="0" dirty="0" smtClean="0"/>
+              <a:t>kívánok.</a:t>
+            </a:r>
+            <a:endParaRPr lang="hu-HU" dirty="0"/>
+          </a:p>
+        </p:txBody>
+      </p:sp>
+      <p:sp>
+        <p:nvSpPr>
+          <p:cNvPr id="4" name="Dia számának helye 3"/>
+          <p:cNvSpPr>
+            <a:spLocks noGrp="1"/>
+          </p:cNvSpPr>
+          <p:nvPr>
+            <p:ph type="sldNum" sz="quarter" idx="10"/>
+          </p:nvPr>
+        </p:nvSpPr>
+        <p:spPr/>
+        <p:txBody>
+          <a:bodyPr/>
+          <a:lstStyle/>
+          <a:p>
+            <a:fld id="{79AF87FC-FC27-4A39-B641-F3CA6D772F66}" type="slidenum">
+              <a:rPr lang="hu-HU" smtClean="0"/>
+              <a:t>8</a:t>
+            </a:fld>
+            <a:endParaRPr lang="hu-HU"/>
+          </a:p>
+        </p:txBody>
+      </p:sp>
+    </p:spTree>
+    <p:extLst>
+      <p:ext uri="{BB962C8B-B14F-4D97-AF65-F5344CB8AC3E}">
+        <p14:creationId xmlns:p14="http://schemas.microsoft.com/office/powerpoint/2010/main" val="2563181674"/>
       </p:ext>
     </p:extLst>
   </p:cSld>
@@ -1391,7 +1524,7 @@
           <a:p>
             <a:fld id="{C6E8B002-83F0-41C5-A7B7-2819A96BD9B2}" type="datetimeFigureOut">
               <a:rPr lang="hu-HU" smtClean="0"/>
-              <a:t>2016. 10. 04.</a:t>
+              <a:t>2016. 10. 06.</a:t>
             </a:fld>
             <a:endParaRPr lang="hu-HU"/>
           </a:p>
@@ -1561,7 +1694,7 @@
           <a:p>
             <a:fld id="{C6E8B002-83F0-41C5-A7B7-2819A96BD9B2}" type="datetimeFigureOut">
               <a:rPr lang="hu-HU" smtClean="0"/>
-              <a:t>2016. 10. 04.</a:t>
+              <a:t>2016. 10. 06.</a:t>
             </a:fld>
             <a:endParaRPr lang="hu-HU"/>
           </a:p>
@@ -1741,7 +1874,7 @@
           <a:p>
             <a:fld id="{C6E8B002-83F0-41C5-A7B7-2819A96BD9B2}" type="datetimeFigureOut">
               <a:rPr lang="hu-HU" smtClean="0"/>
-              <a:t>2016. 10. 04.</a:t>
+              <a:t>2016. 10. 06.</a:t>
             </a:fld>
             <a:endParaRPr lang="hu-HU"/>
           </a:p>
@@ -1911,7 +2044,7 @@
           <a:p>
             <a:fld id="{C6E8B002-83F0-41C5-A7B7-2819A96BD9B2}" type="datetimeFigureOut">
               <a:rPr lang="hu-HU" smtClean="0"/>
-              <a:t>2016. 10. 04.</a:t>
+              <a:t>2016. 10. 06.</a:t>
             </a:fld>
             <a:endParaRPr lang="hu-HU"/>
           </a:p>
@@ -2155,7 +2288,7 @@
           <a:p>
             <a:fld id="{C6E8B002-83F0-41C5-A7B7-2819A96BD9B2}" type="datetimeFigureOut">
               <a:rPr lang="hu-HU" smtClean="0"/>
-              <a:t>2016. 10. 04.</a:t>
+              <a:t>2016. 10. 06.</a:t>
             </a:fld>
             <a:endParaRPr lang="hu-HU"/>
           </a:p>
@@ -2387,7 +2520,7 @@
           <a:p>
             <a:fld id="{C6E8B002-83F0-41C5-A7B7-2819A96BD9B2}" type="datetimeFigureOut">
               <a:rPr lang="hu-HU" smtClean="0"/>
-              <a:t>2016. 10. 04.</a:t>
+              <a:t>2016. 10. 06.</a:t>
             </a:fld>
             <a:endParaRPr lang="hu-HU"/>
           </a:p>
@@ -2754,7 +2887,7 @@
           <a:p>
             <a:fld id="{C6E8B002-83F0-41C5-A7B7-2819A96BD9B2}" type="datetimeFigureOut">
               <a:rPr lang="hu-HU" smtClean="0"/>
-              <a:t>2016. 10. 04.</a:t>
+              <a:t>2016. 10. 06.</a:t>
             </a:fld>
             <a:endParaRPr lang="hu-HU"/>
           </a:p>
@@ -2872,7 +3005,7 @@
           <a:p>
             <a:fld id="{C6E8B002-83F0-41C5-A7B7-2819A96BD9B2}" type="datetimeFigureOut">
               <a:rPr lang="hu-HU" smtClean="0"/>
-              <a:t>2016. 10. 04.</a:t>
+              <a:t>2016. 10. 06.</a:t>
             </a:fld>
             <a:endParaRPr lang="hu-HU"/>
           </a:p>
@@ -2967,7 +3100,7 @@
           <a:p>
             <a:fld id="{C6E8B002-83F0-41C5-A7B7-2819A96BD9B2}" type="datetimeFigureOut">
               <a:rPr lang="hu-HU" smtClean="0"/>
-              <a:t>2016. 10. 04.</a:t>
+              <a:t>2016. 10. 06.</a:t>
             </a:fld>
             <a:endParaRPr lang="hu-HU"/>
           </a:p>
@@ -3244,7 +3377,7 @@
           <a:p>
             <a:fld id="{C6E8B002-83F0-41C5-A7B7-2819A96BD9B2}" type="datetimeFigureOut">
               <a:rPr lang="hu-HU" smtClean="0"/>
-              <a:t>2016. 10. 04.</a:t>
+              <a:t>2016. 10. 06.</a:t>
             </a:fld>
             <a:endParaRPr lang="hu-HU"/>
           </a:p>
@@ -3501,7 +3634,7 @@
           <a:p>
             <a:fld id="{C6E8B002-83F0-41C5-A7B7-2819A96BD9B2}" type="datetimeFigureOut">
               <a:rPr lang="hu-HU" smtClean="0"/>
-              <a:t>2016. 10. 04.</a:t>
+              <a:t>2016. 10. 06.</a:t>
             </a:fld>
             <a:endParaRPr lang="hu-HU"/>
           </a:p>
@@ -3721,7 +3854,7 @@
           <a:p>
             <a:fld id="{C6E8B002-83F0-41C5-A7B7-2819A96BD9B2}" type="datetimeFigureOut">
               <a:rPr lang="hu-HU" smtClean="0"/>
-              <a:t>2016. 10. 04.</a:t>
+              <a:t>2016. 10. 06.</a:t>
             </a:fld>
             <a:endParaRPr lang="hu-HU"/>
           </a:p>
@@ -4248,7 +4381,7 @@
           <p:nvPr/>
         </p:nvPicPr>
         <p:blipFill>
-          <a:blip r:embed="rId2">
+          <a:blip r:embed="rId3">
             <a:extLst>
               <a:ext uri="{28A0092B-C50C-407E-A947-70E740481C1C}">
                 <a14:useLocalDpi xmlns:a14="http://schemas.microsoft.com/office/drawing/2010/main" val="0"/>
@@ -4277,8 +4410,8 @@
         </p:nvSpPr>
         <p:spPr>
           <a:xfrm>
-            <a:off x="4134173" y="2002971"/>
-            <a:ext cx="4161453" cy="830997"/>
+            <a:off x="3794079" y="2002971"/>
+            <a:ext cx="4501548" cy="954107"/>
           </a:xfrm>
           <a:prstGeom prst="rect">
             <a:avLst/>
@@ -4293,41 +4426,29 @@
           <a:p>
             <a:pPr algn="ctr"/>
             <a:r>
-              <a:rPr lang="hu-HU" sz="2400" b="1" dirty="0" smtClean="0">
+              <a:rPr lang="hu-HU" sz="2800" b="1" dirty="0" smtClean="0">
                 <a:latin typeface="+mj-lt"/>
               </a:rPr>
-              <a:t>Barócsi </a:t>
-            </a:r>
-            <a:r>
-              <a:rPr lang="hu-HU" sz="2400" b="1" dirty="0" smtClean="0">
-                <a:latin typeface="+mj-lt"/>
-              </a:rPr>
-              <a:t>Norbert</a:t>
-            </a:r>
-            <a:r>
-              <a:rPr lang="hu-HU" sz="2400" b="1" dirty="0" smtClean="0">
-                <a:latin typeface="+mj-lt"/>
-              </a:rPr>
-              <a:t/>
+              <a:t>Barócsi Norbert</a:t>
             </a:r>
             <a:br>
-              <a:rPr lang="hu-HU" sz="2400" b="1" dirty="0" smtClean="0">
+              <a:rPr lang="hu-HU" sz="2800" b="1" dirty="0" smtClean="0">
                 <a:latin typeface="+mj-lt"/>
               </a:rPr>
             </a:br>
             <a:r>
-              <a:rPr lang="hu-HU" sz="2400" b="1" dirty="0" smtClean="0">
+              <a:rPr lang="hu-HU" sz="2800" b="1" dirty="0" smtClean="0">
                 <a:latin typeface="+mj-lt"/>
               </a:rPr>
               <a:t>Gazdaságinformatikus </a:t>
             </a:r>
             <a:r>
-              <a:rPr lang="hu-HU" sz="2400" b="1" dirty="0" err="1" smtClean="0">
+              <a:rPr lang="hu-HU" sz="2800" b="1" dirty="0" err="1" smtClean="0">
                 <a:latin typeface="+mj-lt"/>
               </a:rPr>
               <a:t>BSc</a:t>
             </a:r>
-            <a:endParaRPr lang="hu-HU" sz="2400" b="1" dirty="0">
+            <a:endParaRPr lang="hu-HU" sz="2800" b="1" dirty="0">
               <a:latin typeface="+mj-lt"/>
             </a:endParaRPr>
           </a:p>
@@ -4526,17 +4647,14 @@
               <a:rPr lang="hu-HU" sz="2000" dirty="0">
                 <a:latin typeface="+mj-lt"/>
               </a:rPr>
-              <a:t>Adatok </a:t>
+              <a:t>Zenekar publikus </a:t>
             </a:r>
             <a:r>
               <a:rPr lang="hu-HU" sz="2000" dirty="0" smtClean="0">
                 <a:latin typeface="+mj-lt"/>
               </a:rPr>
-              <a:t>módosítása</a:t>
-            </a:r>
-            <a:endParaRPr lang="hu-HU" sz="2000" dirty="0" smtClean="0">
-              <a:latin typeface="+mj-lt"/>
-            </a:endParaRPr>
+              <a:t>profilja</a:t>
+            </a:r>
           </a:p>
           <a:p>
             <a:pPr marL="285750" indent="-285750">
@@ -4547,10 +4665,16 @@
               <a:buChar char="•"/>
             </a:pPr>
             <a:r>
+              <a:rPr lang="hu-HU" sz="2000" dirty="0">
+                <a:latin typeface="+mj-lt"/>
+              </a:rPr>
+              <a:t>Adatok </a:t>
+            </a:r>
+            <a:r>
               <a:rPr lang="hu-HU" sz="2000" dirty="0" smtClean="0">
                 <a:latin typeface="+mj-lt"/>
               </a:rPr>
-              <a:t>Adminisztrátor felület</a:t>
+              <a:t>módosítása</a:t>
             </a:r>
           </a:p>
           <a:p>
@@ -4565,7 +4689,7 @@
               <a:rPr lang="hu-HU" sz="2000" dirty="0" smtClean="0">
                 <a:latin typeface="+mj-lt"/>
               </a:rPr>
-              <a:t>Zenekar publikus profilja</a:t>
+              <a:t>Adminisztrátor felület</a:t>
             </a:r>
           </a:p>
           <a:p>
@@ -5479,13 +5603,8 @@
             <a:pPr algn="ctr"/>
             <a:r>
               <a:rPr lang="hu-HU" sz="1400" dirty="0" smtClean="0"/>
-              <a:t>Szolgáltatás </a:t>
-            </a:r>
-            <a:r>
-              <a:rPr lang="hu-HU" sz="1400" dirty="0" smtClean="0"/>
-              <a:t>réteg és a megvalósítás</a:t>
-            </a:r>
-            <a:endParaRPr lang="hu-HU" sz="1400" dirty="0" smtClean="0"/>
+              <a:t>Szolgáltatás réteg és a megvalósítás</a:t>
+            </a:r>
           </a:p>
         </p:txBody>
       </p:sp>
@@ -5903,13 +6022,8 @@
             <a:pPr algn="ctr"/>
             <a:r>
               <a:rPr lang="hu-HU" sz="1400" dirty="0" smtClean="0"/>
-              <a:t>Szolgáltatás </a:t>
-            </a:r>
-            <a:r>
-              <a:rPr lang="hu-HU" sz="1400" dirty="0" smtClean="0"/>
-              <a:t>réteg</a:t>
-            </a:r>
-            <a:endParaRPr lang="hu-HU" sz="1400" dirty="0" smtClean="0"/>
+              <a:t>Szolgáltatás réteg</a:t>
+            </a:r>
           </a:p>
         </p:txBody>
       </p:sp>
@@ -5973,60 +6087,6 @@
           </a:prstGeom>
         </p:spPr>
       </p:pic>
-      <p:sp>
-        <p:nvSpPr>
-          <p:cNvPr id="25" name="Tilos tábla 24"/>
-          <p:cNvSpPr/>
-          <p:nvPr/>
-        </p:nvSpPr>
-        <p:spPr>
-          <a:xfrm>
-            <a:off x="6010223" y="3113761"/>
-            <a:ext cx="650081" cy="667957"/>
-          </a:xfrm>
-          <a:prstGeom prst="noSmoking">
-            <a:avLst/>
-          </a:prstGeom>
-          <a:solidFill>
-            <a:srgbClr val="C00000">
-              <a:alpha val="59000"/>
-            </a:srgbClr>
-          </a:solidFill>
-          <a:ln>
-            <a:solidFill>
-              <a:schemeClr val="tx1"/>
-            </a:solidFill>
-          </a:ln>
-        </p:spPr>
-        <p:style>
-          <a:lnRef idx="2">
-            <a:schemeClr val="accent1">
-              <a:shade val="50000"/>
-            </a:schemeClr>
-          </a:lnRef>
-          <a:fillRef idx="1">
-            <a:schemeClr val="accent1"/>
-          </a:fillRef>
-          <a:effectRef idx="0">
-            <a:schemeClr val="accent1"/>
-          </a:effectRef>
-          <a:fontRef idx="minor">
-            <a:schemeClr val="lt1"/>
-          </a:fontRef>
-        </p:style>
-        <p:txBody>
-          <a:bodyPr rtlCol="0" anchor="ctr"/>
-          <a:lstStyle/>
-          <a:p>
-            <a:pPr algn="ctr"/>
-            <a:endParaRPr lang="hu-HU">
-              <a:solidFill>
-                <a:schemeClr val="tx1"/>
-              </a:solidFill>
-            </a:endParaRPr>
-          </a:p>
-        </p:txBody>
-      </p:sp>
       <p:pic>
         <p:nvPicPr>
           <p:cNvPr id="7" name="Kép 6"/>
@@ -6298,7 +6358,7 @@
                             </p:stCondLst>
                             <p:childTnLst>
                               <p:par>
-                                <p:cTn id="19" presetID="1" presetClass="entr" presetSubtype="0" fill="hold" grpId="0" nodeType="clickEffect">
+                                <p:cTn id="19" presetID="1" presetClass="entr" presetSubtype="0" fill="hold" grpId="1" nodeType="clickEffect">
                                   <p:stCondLst>
                                     <p:cond delay="0"/>
                                   </p:stCondLst>
@@ -6311,7 +6371,7 @@
                                           </p:stCondLst>
                                         </p:cTn>
                                         <p:tgtEl>
-                                          <p:spTgt spid="25"/>
+                                          <p:spTgt spid="24"/>
                                         </p:tgtEl>
                                         <p:attrNameLst>
                                           <p:attrName>style.visibility</p:attrName>
@@ -6397,7 +6457,7 @@
                                 </p:cTn>
                               </p:par>
                               <p:par>
-                                <p:cTn id="27" presetID="1" presetClass="exit" presetSubtype="0" fill="hold" grpId="1" nodeType="withEffect">
+                                <p:cTn id="27" presetID="1" presetClass="exit" presetSubtype="0" fill="hold" grpId="2" nodeType="withEffect">
                                   <p:stCondLst>
                                     <p:cond delay="0"/>
                                   </p:stCondLst>
@@ -6410,7 +6470,7 @@
                                           </p:stCondLst>
                                         </p:cTn>
                                         <p:tgtEl>
-                                          <p:spTgt spid="25"/>
+                                          <p:spTgt spid="24"/>
                                         </p:tgtEl>
                                         <p:attrNameLst>
                                           <p:attrName>style.visibility</p:attrName>
@@ -6554,9 +6614,9 @@
       <p:bldP spid="16" grpId="0" animBg="1"/>
       <p:bldP spid="23" grpId="0" animBg="1"/>
       <p:bldP spid="24" grpId="0" animBg="1"/>
+      <p:bldP spid="24" grpId="1" animBg="1"/>
+      <p:bldP spid="24" grpId="2" animBg="1"/>
       <p:bldP spid="21" grpId="0" animBg="1"/>
-      <p:bldP spid="25" grpId="0" animBg="1"/>
-      <p:bldP spid="25" grpId="1" animBg="1"/>
     </p:bldLst>
   </p:timing>
 </p:sld>
@@ -6798,7 +6858,7 @@
     <p:bg>
       <p:bgPr>
         <a:blipFill dpi="0" rotWithShape="1">
-          <a:blip r:embed="rId2"/>
+          <a:blip r:embed="rId3"/>
           <a:srcRect/>
           <a:stretch>
             <a:fillRect/>
@@ -7031,43 +7091,8 @@
                 </a:solidFill>
                 <a:latin typeface="+mj-lt"/>
               </a:rPr>
-              <a:t>Barócsi </a:t>
-            </a:r>
-            <a:r>
-              <a:rPr lang="hu-HU" sz="1500" i="1" dirty="0" smtClean="0">
-                <a:solidFill>
-                  <a:schemeClr val="bg1"/>
-                </a:solidFill>
-                <a:latin typeface="+mj-lt"/>
-              </a:rPr>
-              <a:t>Norbert</a:t>
-            </a:r>
-            <a:endParaRPr lang="hu-HU" sz="1500" i="1" dirty="0" smtClean="0">
-              <a:solidFill>
-                <a:schemeClr val="bg1"/>
-              </a:solidFill>
-              <a:latin typeface="+mj-lt"/>
-            </a:endParaRPr>
-          </a:p>
-          <a:p>
-            <a:pPr marL="0" indent="0">
-              <a:buNone/>
-            </a:pPr>
-            <a:r>
-              <a:rPr lang="hu-HU" sz="1500" i="1" dirty="0" smtClean="0">
-                <a:solidFill>
-                  <a:schemeClr val="bg1"/>
-                </a:solidFill>
-                <a:latin typeface="+mj-lt"/>
-              </a:rPr>
-              <a:t>Kapcsolattartó telefonszáma</a:t>
-            </a:r>
-            <a:endParaRPr lang="hu-HU" sz="1500" i="1" dirty="0">
-              <a:solidFill>
-                <a:schemeClr val="bg1"/>
-              </a:solidFill>
-              <a:latin typeface="+mj-lt"/>
-            </a:endParaRPr>
+              <a:t>Barócsi Norbert</a:t>
+            </a:r>
           </a:p>
         </p:txBody>
       </p:sp>
@@ -7614,9 +7639,12 @@
 </file>
 
 <file path=customXml/item1.xml><?xml version="1.0" encoding="utf-8"?>
-<p:properties xmlns:p="http://schemas.microsoft.com/office/2006/metadata/properties" xmlns:xsi="http://www.w3.org/2001/XMLSchema-instance" xmlns:pc="http://schemas.microsoft.com/office/infopath/2007/PartnerControls">
-  <documentManagement/>
-</p:properties>
+<?mso-contentType ?>
+<FormTemplates xmlns="http://schemas.microsoft.com/sharepoint/v3/contenttype/forms">
+  <Display>DocumentLibraryForm</Display>
+  <Edit>DocumentLibraryForm</Edit>
+  <New>DocumentLibraryForm</New>
+</FormTemplates>
 </file>
 
 <file path=customXml/item2.xml><?xml version="1.0" encoding="utf-8"?>
@@ -7768,19 +7796,15 @@
 </file>
 
 <file path=customXml/item3.xml><?xml version="1.0" encoding="utf-8"?>
-<?mso-contentType ?>
-<FormTemplates xmlns="http://schemas.microsoft.com/sharepoint/v3/contenttype/forms">
-  <Display>DocumentLibraryForm</Display>
-  <Edit>DocumentLibraryForm</Edit>
-  <New>DocumentLibraryForm</New>
-</FormTemplates>
+<p:properties xmlns:p="http://schemas.microsoft.com/office/2006/metadata/properties" xmlns:xsi="http://www.w3.org/2001/XMLSchema-instance" xmlns:pc="http://schemas.microsoft.com/office/infopath/2007/PartnerControls">
+  <documentManagement/>
+</p:properties>
 </file>
 
 <file path=customXml/itemProps1.xml><?xml version="1.0" encoding="utf-8"?>
-<ds:datastoreItem xmlns:ds="http://schemas.openxmlformats.org/officeDocument/2006/customXml" ds:itemID="{8E1455B4-EFFE-4AEE-ADC2-FE51D16F6234}">
+<ds:datastoreItem xmlns:ds="http://schemas.openxmlformats.org/officeDocument/2006/customXml" ds:itemID="{166AD069-051C-46FD-A0CD-BDE143FEA57D}">
   <ds:schemaRefs>
-    <ds:schemaRef ds:uri="http://schemas.microsoft.com/office/2006/metadata/properties"/>
-    <ds:schemaRef ds:uri="http://schemas.microsoft.com/office/infopath/2007/PartnerControls"/>
+    <ds:schemaRef ds:uri="http://schemas.microsoft.com/sharepoint/v3/contenttype/forms"/>
   </ds:schemaRefs>
 </ds:datastoreItem>
 </file>
@@ -7804,9 +7828,10 @@
 </file>
 
 <file path=customXml/itemProps3.xml><?xml version="1.0" encoding="utf-8"?>
-<ds:datastoreItem xmlns:ds="http://schemas.openxmlformats.org/officeDocument/2006/customXml" ds:itemID="{166AD069-051C-46FD-A0CD-BDE143FEA57D}">
+<ds:datastoreItem xmlns:ds="http://schemas.openxmlformats.org/officeDocument/2006/customXml" ds:itemID="{8E1455B4-EFFE-4AEE-ADC2-FE51D16F6234}">
   <ds:schemaRefs>
-    <ds:schemaRef ds:uri="http://schemas.microsoft.com/sharepoint/v3/contenttype/forms"/>
+    <ds:schemaRef ds:uri="http://schemas.microsoft.com/office/2006/metadata/properties"/>
+    <ds:schemaRef ds:uri="http://schemas.microsoft.com/office/infopath/2007/PartnerControls"/>
   </ds:schemaRefs>
 </ds:datastoreItem>
 </file>